--- a/NLP Project Seminar Presentation.pptx
+++ b/NLP Project Seminar Presentation.pptx
@@ -4,6 +4,9 @@
   <p:sldMasterIdLst>
     <p:sldMasterId id="2147483746" r:id="rId1"/>
   </p:sldMasterIdLst>
+  <p:notesMasterIdLst>
+    <p:notesMasterId r:id="rId9"/>
+  </p:notesMasterIdLst>
   <p:sldIdLst>
     <p:sldId id="257" r:id="rId2"/>
     <p:sldId id="259" r:id="rId3"/>
@@ -12,8 +15,6 @@
     <p:sldId id="265" r:id="rId6"/>
     <p:sldId id="266" r:id="rId7"/>
     <p:sldId id="267" r:id="rId8"/>
-    <p:sldId id="262" r:id="rId9"/>
-    <p:sldId id="264" r:id="rId10"/>
   </p:sldIdLst>
   <p:sldSz cx="12192000" cy="6858000"/>
   <p:notesSz cx="6858000" cy="9144000"/>
@@ -123,7 +124,7 @@
 <file path=ppt/revisionInfo.xml><?xml version="1.0" encoding="utf-8"?>
 <p1510:revInfo xmlns:a="http://schemas.openxmlformats.org/drawingml/2006/main" xmlns:r="http://schemas.openxmlformats.org/officeDocument/2006/relationships" xmlns:p1510="http://schemas.microsoft.com/office/powerpoint/2015/10/main">
   <p1510:revLst>
-    <p1510:client id="{82F98C97-9F3A-4E98-AD6D-CB5A33CA0638}" v="186" dt="2020-10-20T19:06:59.487"/>
+    <p1510:client id="{82F98C97-9F3A-4E98-AD6D-CB5A33CA0638}" v="273" dt="2020-10-21T17:50:42.081"/>
   </p1510:revLst>
 </p1510:revInfo>
 </file>
@@ -133,7 +134,7 @@
   <pc:docChgLst>
     <pc:chgData name="Pilvi" userId="845ada757082c646" providerId="LiveId" clId="{82F98C97-9F3A-4E98-AD6D-CB5A33CA0638}"/>
     <pc:docChg chg="undo custSel addSld delSld modSld sldOrd">
-      <pc:chgData name="Pilvi" userId="845ada757082c646" providerId="LiveId" clId="{82F98C97-9F3A-4E98-AD6D-CB5A33CA0638}" dt="2020-10-20T19:10:54.320" v="3121" actId="20577"/>
+      <pc:chgData name="Pilvi" userId="845ada757082c646" providerId="LiveId" clId="{82F98C97-9F3A-4E98-AD6D-CB5A33CA0638}" dt="2020-10-21T17:53:02.422" v="5904" actId="47"/>
       <pc:docMkLst>
         <pc:docMk/>
       </pc:docMkLst>
@@ -167,14 +168,14 @@
           <pc:sldMk cId="191714609" sldId="258"/>
         </pc:sldMkLst>
       </pc:sldChg>
-      <pc:sldChg chg="addSp modSp new mod">
-        <pc:chgData name="Pilvi" userId="845ada757082c646" providerId="LiveId" clId="{82F98C97-9F3A-4E98-AD6D-CB5A33CA0638}" dt="2020-10-20T18:42:43.508" v="1777" actId="27636"/>
+      <pc:sldChg chg="addSp delSp modSp new mod modNotesTx">
+        <pc:chgData name="Pilvi" userId="845ada757082c646" providerId="LiveId" clId="{82F98C97-9F3A-4E98-AD6D-CB5A33CA0638}" dt="2020-10-21T15:09:31.453" v="4741" actId="1076"/>
         <pc:sldMkLst>
           <pc:docMk/>
           <pc:sldMk cId="2789268521" sldId="259"/>
         </pc:sldMkLst>
         <pc:spChg chg="mod">
-          <ac:chgData name="Pilvi" userId="845ada757082c646" providerId="LiveId" clId="{82F98C97-9F3A-4E98-AD6D-CB5A33CA0638}" dt="2020-10-19T16:28:14.489" v="95" actId="20577"/>
+          <ac:chgData name="Pilvi" userId="845ada757082c646" providerId="LiveId" clId="{82F98C97-9F3A-4E98-AD6D-CB5A33CA0638}" dt="2020-10-21T14:16:13.466" v="3172" actId="20577"/>
           <ac:spMkLst>
             <pc:docMk/>
             <pc:sldMk cId="2789268521" sldId="259"/>
@@ -182,19 +183,27 @@
           </ac:spMkLst>
         </pc:spChg>
         <pc:spChg chg="mod">
-          <ac:chgData name="Pilvi" userId="845ada757082c646" providerId="LiveId" clId="{82F98C97-9F3A-4E98-AD6D-CB5A33CA0638}" dt="2020-10-20T18:42:43.508" v="1777" actId="27636"/>
+          <ac:chgData name="Pilvi" userId="845ada757082c646" providerId="LiveId" clId="{82F98C97-9F3A-4E98-AD6D-CB5A33CA0638}" dt="2020-10-21T14:35:45.371" v="3843" actId="27636"/>
           <ac:spMkLst>
             <pc:docMk/>
             <pc:sldMk cId="2789268521" sldId="259"/>
             <ac:spMk id="3" creationId="{F5541B10-D35A-47E3-BD28-256CBE359250}"/>
           </ac:spMkLst>
         </pc:spChg>
-        <pc:picChg chg="add mod">
-          <ac:chgData name="Pilvi" userId="845ada757082c646" providerId="LiveId" clId="{82F98C97-9F3A-4E98-AD6D-CB5A33CA0638}" dt="2020-10-20T18:42:31.180" v="1772" actId="1076"/>
+        <pc:picChg chg="add del mod">
+          <ac:chgData name="Pilvi" userId="845ada757082c646" providerId="LiveId" clId="{82F98C97-9F3A-4E98-AD6D-CB5A33CA0638}" dt="2020-10-21T15:09:21.147" v="4735" actId="478"/>
           <ac:picMkLst>
             <pc:docMk/>
             <pc:sldMk cId="2789268521" sldId="259"/>
             <ac:picMk id="5" creationId="{EF842708-5C39-4773-8813-2092B09B373B}"/>
+          </ac:picMkLst>
+        </pc:picChg>
+        <pc:picChg chg="add mod">
+          <ac:chgData name="Pilvi" userId="845ada757082c646" providerId="LiveId" clId="{82F98C97-9F3A-4E98-AD6D-CB5A33CA0638}" dt="2020-10-21T15:09:31.453" v="4741" actId="1076"/>
+          <ac:picMkLst>
+            <pc:docMk/>
+            <pc:sldMk cId="2789268521" sldId="259"/>
+            <ac:picMk id="6" creationId="{3C9DA945-F0AA-4AB4-B0DE-BC68B055FAE2}"/>
           </ac:picMkLst>
         </pc:picChg>
       </pc:sldChg>
@@ -221,8 +230,8 @@
           </ac:spMkLst>
         </pc:spChg>
       </pc:sldChg>
-      <pc:sldChg chg="modSp new mod">
-        <pc:chgData name="Pilvi" userId="845ada757082c646" providerId="LiveId" clId="{82F98C97-9F3A-4E98-AD6D-CB5A33CA0638}" dt="2020-10-20T19:10:54.320" v="3121" actId="20577"/>
+      <pc:sldChg chg="modSp new mod modNotesTx">
+        <pc:chgData name="Pilvi" userId="845ada757082c646" providerId="LiveId" clId="{82F98C97-9F3A-4E98-AD6D-CB5A33CA0638}" dt="2020-10-21T17:51:52.882" v="5903" actId="20577"/>
         <pc:sldMkLst>
           <pc:docMk/>
           <pc:sldMk cId="885654290" sldId="261"/>
@@ -236,7 +245,7 @@
           </ac:spMkLst>
         </pc:spChg>
         <pc:spChg chg="mod">
-          <ac:chgData name="Pilvi" userId="845ada757082c646" providerId="LiveId" clId="{82F98C97-9F3A-4E98-AD6D-CB5A33CA0638}" dt="2020-10-20T19:10:54.320" v="3121" actId="20577"/>
+          <ac:chgData name="Pilvi" userId="845ada757082c646" providerId="LiveId" clId="{82F98C97-9F3A-4E98-AD6D-CB5A33CA0638}" dt="2020-10-21T17:50:46.486" v="5762" actId="20577"/>
           <ac:spMkLst>
             <pc:docMk/>
             <pc:sldMk cId="885654290" sldId="261"/>
@@ -244,8 +253,8 @@
           </ac:spMkLst>
         </pc:spChg>
       </pc:sldChg>
-      <pc:sldChg chg="modSp new mod">
-        <pc:chgData name="Pilvi" userId="845ada757082c646" providerId="LiveId" clId="{82F98C97-9F3A-4E98-AD6D-CB5A33CA0638}" dt="2020-10-20T15:30:47.530" v="536" actId="20577"/>
+      <pc:sldChg chg="modSp new del mod">
+        <pc:chgData name="Pilvi" userId="845ada757082c646" providerId="LiveId" clId="{82F98C97-9F3A-4E98-AD6D-CB5A33CA0638}" dt="2020-10-21T17:53:02.422" v="5904" actId="47"/>
         <pc:sldMkLst>
           <pc:docMk/>
           <pc:sldMk cId="296253349" sldId="262"/>
@@ -275,7 +284,7 @@
         </pc:sldMkLst>
       </pc:sldChg>
       <pc:sldChg chg="modSp new mod">
-        <pc:chgData name="Pilvi" userId="845ada757082c646" providerId="LiveId" clId="{82F98C97-9F3A-4E98-AD6D-CB5A33CA0638}" dt="2020-10-20T18:47:24.577" v="2160" actId="20577"/>
+        <pc:chgData name="Pilvi" userId="845ada757082c646" providerId="LiveId" clId="{82F98C97-9F3A-4E98-AD6D-CB5A33CA0638}" dt="2020-10-21T14:39:57.743" v="4068" actId="20577"/>
         <pc:sldMkLst>
           <pc:docMk/>
           <pc:sldMk cId="887747347" sldId="263"/>
@@ -289,7 +298,7 @@
           </ac:spMkLst>
         </pc:spChg>
         <pc:spChg chg="mod">
-          <ac:chgData name="Pilvi" userId="845ada757082c646" providerId="LiveId" clId="{82F98C97-9F3A-4E98-AD6D-CB5A33CA0638}" dt="2020-10-20T18:47:24.577" v="2160" actId="20577"/>
+          <ac:chgData name="Pilvi" userId="845ada757082c646" providerId="LiveId" clId="{82F98C97-9F3A-4E98-AD6D-CB5A33CA0638}" dt="2020-10-21T14:39:57.743" v="4068" actId="20577"/>
           <ac:spMkLst>
             <pc:docMk/>
             <pc:sldMk cId="887747347" sldId="263"/>
@@ -297,8 +306,8 @@
           </ac:spMkLst>
         </pc:spChg>
       </pc:sldChg>
-      <pc:sldChg chg="modSp new mod">
-        <pc:chgData name="Pilvi" userId="845ada757082c646" providerId="LiveId" clId="{82F98C97-9F3A-4E98-AD6D-CB5A33CA0638}" dt="2020-10-20T19:08:59.780" v="3115" actId="20577"/>
+      <pc:sldChg chg="modSp new del mod">
+        <pc:chgData name="Pilvi" userId="845ada757082c646" providerId="LiveId" clId="{82F98C97-9F3A-4E98-AD6D-CB5A33CA0638}" dt="2020-10-21T16:53:55.498" v="4742" actId="47"/>
         <pc:sldMkLst>
           <pc:docMk/>
           <pc:sldMk cId="152934541" sldId="264"/>
@@ -321,7 +330,7 @@
         </pc:spChg>
       </pc:sldChg>
       <pc:sldChg chg="modSp new mod ord">
-        <pc:chgData name="Pilvi" userId="845ada757082c646" providerId="LiveId" clId="{82F98C97-9F3A-4E98-AD6D-CB5A33CA0638}" dt="2020-10-20T18:55:58.854" v="2590"/>
+        <pc:chgData name="Pilvi" userId="845ada757082c646" providerId="LiveId" clId="{82F98C97-9F3A-4E98-AD6D-CB5A33CA0638}" dt="2020-10-21T14:45:39.180" v="4407" actId="20577"/>
         <pc:sldMkLst>
           <pc:docMk/>
           <pc:sldMk cId="3253649851" sldId="265"/>
@@ -335,7 +344,7 @@
           </ac:spMkLst>
         </pc:spChg>
         <pc:spChg chg="mod">
-          <ac:chgData name="Pilvi" userId="845ada757082c646" providerId="LiveId" clId="{82F98C97-9F3A-4E98-AD6D-CB5A33CA0638}" dt="2020-10-20T18:55:36.808" v="2585" actId="20577"/>
+          <ac:chgData name="Pilvi" userId="845ada757082c646" providerId="LiveId" clId="{82F98C97-9F3A-4E98-AD6D-CB5A33CA0638}" dt="2020-10-21T14:45:39.180" v="4407" actId="20577"/>
           <ac:spMkLst>
             <pc:docMk/>
             <pc:sldMk cId="3253649851" sldId="265"/>
@@ -344,7 +353,7 @@
         </pc:spChg>
       </pc:sldChg>
       <pc:sldChg chg="modSp new mod">
-        <pc:chgData name="Pilvi" userId="845ada757082c646" providerId="LiveId" clId="{82F98C97-9F3A-4E98-AD6D-CB5A33CA0638}" dt="2020-10-20T18:57:10.196" v="2823" actId="5793"/>
+        <pc:chgData name="Pilvi" userId="845ada757082c646" providerId="LiveId" clId="{82F98C97-9F3A-4E98-AD6D-CB5A33CA0638}" dt="2020-10-21T14:47:39.503" v="4652" actId="20577"/>
         <pc:sldMkLst>
           <pc:docMk/>
           <pc:sldMk cId="1573380862" sldId="266"/>
@@ -358,7 +367,7 @@
           </ac:spMkLst>
         </pc:spChg>
         <pc:spChg chg="mod">
-          <ac:chgData name="Pilvi" userId="845ada757082c646" providerId="LiveId" clId="{82F98C97-9F3A-4E98-AD6D-CB5A33CA0638}" dt="2020-10-20T18:57:10.196" v="2823" actId="5793"/>
+          <ac:chgData name="Pilvi" userId="845ada757082c646" providerId="LiveId" clId="{82F98C97-9F3A-4E98-AD6D-CB5A33CA0638}" dt="2020-10-21T14:47:39.503" v="4652" actId="20577"/>
           <ac:spMkLst>
             <pc:docMk/>
             <pc:sldMk cId="1573380862" sldId="266"/>
@@ -367,7 +376,7 @@
         </pc:spChg>
       </pc:sldChg>
       <pc:sldChg chg="addSp delSp modSp new mod">
-        <pc:chgData name="Pilvi" userId="845ada757082c646" providerId="LiveId" clId="{82F98C97-9F3A-4E98-AD6D-CB5A33CA0638}" dt="2020-10-20T19:08:15.055" v="3070" actId="1036"/>
+        <pc:chgData name="Pilvi" userId="845ada757082c646" providerId="LiveId" clId="{82F98C97-9F3A-4E98-AD6D-CB5A33CA0638}" dt="2020-10-21T14:50:25.525" v="4734" actId="20577"/>
         <pc:sldMkLst>
           <pc:docMk/>
           <pc:sldMk cId="1374883248" sldId="267"/>
@@ -413,7 +422,7 @@
           </ac:spMkLst>
         </pc:spChg>
         <pc:graphicFrameChg chg="add mod modGraphic">
-          <ac:chgData name="Pilvi" userId="845ada757082c646" providerId="LiveId" clId="{82F98C97-9F3A-4E98-AD6D-CB5A33CA0638}" dt="2020-10-20T19:06:59.485" v="3012" actId="20577"/>
+          <ac:chgData name="Pilvi" userId="845ada757082c646" providerId="LiveId" clId="{82F98C97-9F3A-4E98-AD6D-CB5A33CA0638}" dt="2020-10-21T14:50:25.525" v="4734" actId="20577"/>
           <ac:graphicFrameMkLst>
             <pc:docMk/>
             <pc:sldMk cId="1374883248" sldId="267"/>
@@ -1207,43 +1216,6 @@
       </dgm:t>
     </dgm:pt>
     <dgm:pt modelId="{B5105D81-2E34-40EF-AFB3-5FDEE2356671}" type="sibTrans" cxnId="{D704480D-F949-46CA-A81E-7C0F4CF33B38}">
-      <dgm:prSet/>
-      <dgm:spPr/>
-      <dgm:t>
-        <a:bodyPr/>
-        <a:lstStyle/>
-        <a:p>
-          <a:endParaRPr lang="en-FI"/>
-        </a:p>
-      </dgm:t>
-    </dgm:pt>
-    <dgm:pt modelId="{51D9FEEA-477E-45C2-8DD5-8AA8531734F8}">
-      <dgm:prSet phldrT="[Text]"/>
-      <dgm:spPr/>
-      <dgm:t>
-        <a:bodyPr/>
-        <a:lstStyle/>
-        <a:p>
-          <a:r>
-            <a:rPr lang="en-US" dirty="0"/>
-            <a:t>Combine analysis files with ids</a:t>
-          </a:r>
-          <a:endParaRPr lang="en-FI" dirty="0"/>
-        </a:p>
-      </dgm:t>
-    </dgm:pt>
-    <dgm:pt modelId="{AD23FF19-1BAB-4FC6-B765-6385CB00233D}" type="parTrans" cxnId="{1DD8923F-3036-4B72-A10B-27B81A6B0497}">
-      <dgm:prSet/>
-      <dgm:spPr/>
-      <dgm:t>
-        <a:bodyPr/>
-        <a:lstStyle/>
-        <a:p>
-          <a:endParaRPr lang="en-FI"/>
-        </a:p>
-      </dgm:t>
-    </dgm:pt>
-    <dgm:pt modelId="{F8D5CBBF-6A53-4905-921B-09D2D9B0E2BC}" type="sibTrans" cxnId="{1DD8923F-3036-4B72-A10B-27B81A6B0497}">
       <dgm:prSet/>
       <dgm:spPr/>
       <dgm:t>
@@ -1328,7 +1300,7 @@
         </a:p>
       </dgm:t>
     </dgm:pt>
-    <dgm:pt modelId="{3B7D5DE1-7E9F-4F8B-929B-6313133D19E2}">
+    <dgm:pt modelId="{6AB2DEAE-546D-495F-8B4B-EEE1B414B5DD}">
       <dgm:prSet phldrT="[Text]"/>
       <dgm:spPr/>
       <dgm:t>
@@ -1337,33 +1309,46 @@
         <a:p>
           <a:r>
             <a:rPr lang="en-US" dirty="0"/>
-            <a:t>Create presentation</a:t>
+            <a:t>Hypothesis testing</a:t>
           </a:r>
           <a:endParaRPr lang="en-FI" dirty="0"/>
         </a:p>
       </dgm:t>
     </dgm:pt>
-    <dgm:pt modelId="{C5BE0292-865F-4E73-9C96-9C3E42882F37}" type="parTrans" cxnId="{C0E63930-67DE-4E93-99FA-A469F3AC0293}">
+    <dgm:pt modelId="{08D3B713-6C6A-45C6-BE0E-5B5936DA41D0}" type="parTrans" cxnId="{D7A0213E-E4F9-4785-A50A-B105C4D57CCE}">
       <dgm:prSet/>
+      <dgm:spPr/>
+    </dgm:pt>
+    <dgm:pt modelId="{5EF5E73B-1509-4E90-9976-1DAD9F279229}" type="sibTrans" cxnId="{D7A0213E-E4F9-4785-A50A-B105C4D57CCE}">
+      <dgm:prSet/>
+      <dgm:spPr/>
+    </dgm:pt>
+    <dgm:pt modelId="{DF1349CD-99C9-4386-B020-EC3082425251}">
+      <dgm:prSet phldrT="[Text]"/>
       <dgm:spPr/>
       <dgm:t>
         <a:bodyPr/>
         <a:lstStyle/>
         <a:p>
-          <a:endParaRPr lang="en-FI"/>
+          <a:r>
+            <a:rPr lang="en-US" dirty="0" err="1"/>
+            <a:t>Analyse</a:t>
+          </a:r>
+          <a:r>
+            <a:rPr lang="en-US" dirty="0"/>
+            <a:t> results</a:t>
+          </a:r>
+          <a:endParaRPr lang="en-FI" dirty="0"/>
         </a:p>
       </dgm:t>
     </dgm:pt>
-    <dgm:pt modelId="{F352C64D-616A-4DCC-AF0E-5C5CE51225D1}" type="sibTrans" cxnId="{C0E63930-67DE-4E93-99FA-A469F3AC0293}">
+    <dgm:pt modelId="{5A0161AF-3FE6-4820-A3B5-4FAE6B983911}" type="parTrans" cxnId="{12B1AEC7-5E61-4096-BE52-71539D6B0FC5}">
       <dgm:prSet/>
       <dgm:spPr/>
-      <dgm:t>
-        <a:bodyPr/>
-        <a:lstStyle/>
-        <a:p>
-          <a:endParaRPr lang="en-FI"/>
-        </a:p>
-      </dgm:t>
+    </dgm:pt>
+    <dgm:pt modelId="{DC43D2A0-9306-47DB-9D1B-19183871780B}" type="sibTrans" cxnId="{12B1AEC7-5E61-4096-BE52-71539D6B0FC5}">
+      <dgm:prSet/>
+      <dgm:spPr/>
     </dgm:pt>
     <dgm:pt modelId="{22873CB4-9E98-4C51-A9E7-A20E9F1FF88F}" type="pres">
       <dgm:prSet presAssocID="{D5BF01C8-BA18-4637-8097-9F25C6DD888A}" presName="CompostProcess" presStyleCnt="0">
@@ -1394,20 +1379,32 @@
       <dgm:prSet presAssocID="{B5105D81-2E34-40EF-AFB3-5FDEE2356671}" presName="sibTrans" presStyleCnt="0"/>
       <dgm:spPr/>
     </dgm:pt>
-    <dgm:pt modelId="{82923929-F3FF-4541-B499-9734F8DE275E}" type="pres">
-      <dgm:prSet presAssocID="{51D9FEEA-477E-45C2-8DD5-8AA8531734F8}" presName="textNode" presStyleLbl="node1" presStyleIdx="1" presStyleCnt="5">
+    <dgm:pt modelId="{4F670D9B-1154-434F-97F7-1F623191062A}" type="pres">
+      <dgm:prSet presAssocID="{6AB2DEAE-546D-495F-8B4B-EEE1B414B5DD}" presName="textNode" presStyleLbl="node1" presStyleIdx="1" presStyleCnt="5">
         <dgm:presLayoutVars>
           <dgm:bulletEnabled val="1"/>
         </dgm:presLayoutVars>
       </dgm:prSet>
       <dgm:spPr/>
     </dgm:pt>
-    <dgm:pt modelId="{72E8CC01-3228-4D71-B5EE-6747908475AB}" type="pres">
-      <dgm:prSet presAssocID="{F8D5CBBF-6A53-4905-921B-09D2D9B0E2BC}" presName="sibTrans" presStyleCnt="0"/>
+    <dgm:pt modelId="{4C932176-5FE0-4315-B1CC-3CCAC06A6369}" type="pres">
+      <dgm:prSet presAssocID="{5EF5E73B-1509-4E90-9976-1DAD9F279229}" presName="sibTrans" presStyleCnt="0"/>
+      <dgm:spPr/>
+    </dgm:pt>
+    <dgm:pt modelId="{D48869B9-7152-4934-BA0A-21DCA48D9FC1}" type="pres">
+      <dgm:prSet presAssocID="{DF1349CD-99C9-4386-B020-EC3082425251}" presName="textNode" presStyleLbl="node1" presStyleIdx="2" presStyleCnt="5">
+        <dgm:presLayoutVars>
+          <dgm:bulletEnabled val="1"/>
+        </dgm:presLayoutVars>
+      </dgm:prSet>
+      <dgm:spPr/>
+    </dgm:pt>
+    <dgm:pt modelId="{A68701D9-CFF9-42D8-9941-CFB0A4CA1B74}" type="pres">
+      <dgm:prSet presAssocID="{DC43D2A0-9306-47DB-9D1B-19183871780B}" presName="sibTrans" presStyleCnt="0"/>
       <dgm:spPr/>
     </dgm:pt>
     <dgm:pt modelId="{B8A2DAEB-1E64-4BAD-A9B0-61AE3C38631D}" type="pres">
-      <dgm:prSet presAssocID="{B52B0568-49E7-4E6A-8C48-9F8143729A70}" presName="textNode" presStyleLbl="node1" presStyleIdx="2" presStyleCnt="5">
+      <dgm:prSet presAssocID="{B52B0568-49E7-4E6A-8C48-9F8143729A70}" presName="textNode" presStyleLbl="node1" presStyleIdx="3" presStyleCnt="5">
         <dgm:presLayoutVars>
           <dgm:bulletEnabled val="1"/>
         </dgm:presLayoutVars>
@@ -1419,19 +1416,7 @@
       <dgm:spPr/>
     </dgm:pt>
     <dgm:pt modelId="{2D25BC18-CCB3-45CE-A619-CFC3508EDF22}" type="pres">
-      <dgm:prSet presAssocID="{7C0D6261-D4BD-4069-862D-F528E47343A0}" presName="textNode" presStyleLbl="node1" presStyleIdx="3" presStyleCnt="5">
-        <dgm:presLayoutVars>
-          <dgm:bulletEnabled val="1"/>
-        </dgm:presLayoutVars>
-      </dgm:prSet>
-      <dgm:spPr/>
-    </dgm:pt>
-    <dgm:pt modelId="{13F6FB8B-6623-4511-9502-BE410A724D6A}" type="pres">
-      <dgm:prSet presAssocID="{E2A70D48-3993-495A-95A4-AE4346C806D4}" presName="sibTrans" presStyleCnt="0"/>
-      <dgm:spPr/>
-    </dgm:pt>
-    <dgm:pt modelId="{D70D7A85-9CF1-46CB-BC54-2CE3477B0F63}" type="pres">
-      <dgm:prSet presAssocID="{3B7D5DE1-7E9F-4F8B-929B-6313133D19E2}" presName="textNode" presStyleLbl="node1" presStyleIdx="4" presStyleCnt="5">
+      <dgm:prSet presAssocID="{7C0D6261-D4BD-4069-862D-F528E47343A0}" presName="textNode" presStyleLbl="node1" presStyleIdx="4" presStyleCnt="5">
         <dgm:presLayoutVars>
           <dgm:bulletEnabled val="1"/>
         </dgm:presLayoutVars>
@@ -1442,26 +1427,26 @@
   <dgm:cxnLst>
     <dgm:cxn modelId="{D704480D-F949-46CA-A81E-7C0F4CF33B38}" srcId="{D5BF01C8-BA18-4637-8097-9F25C6DD888A}" destId="{02975F51-DB76-4C87-A249-24008F26E01E}" srcOrd="0" destOrd="0" parTransId="{907731CB-8C1C-4E68-9C6B-283029305BEF}" sibTransId="{B5105D81-2E34-40EF-AFB3-5FDEE2356671}"/>
     <dgm:cxn modelId="{E37D8329-8D10-4D4B-BE53-8DFC1FB26611}" type="presOf" srcId="{7C0D6261-D4BD-4069-862D-F528E47343A0}" destId="{2D25BC18-CCB3-45CE-A619-CFC3508EDF22}" srcOrd="0" destOrd="0" presId="urn:microsoft.com/office/officeart/2005/8/layout/hProcess9"/>
-    <dgm:cxn modelId="{C0E63930-67DE-4E93-99FA-A469F3AC0293}" srcId="{D5BF01C8-BA18-4637-8097-9F25C6DD888A}" destId="{3B7D5DE1-7E9F-4F8B-929B-6313133D19E2}" srcOrd="4" destOrd="0" parTransId="{C5BE0292-865F-4E73-9C96-9C3E42882F37}" sibTransId="{F352C64D-616A-4DCC-AF0E-5C5CE51225D1}"/>
-    <dgm:cxn modelId="{4BE48537-123E-4530-BD1E-B6BBE49B0BEA}" type="presOf" srcId="{3B7D5DE1-7E9F-4F8B-929B-6313133D19E2}" destId="{D70D7A85-9CF1-46CB-BC54-2CE3477B0F63}" srcOrd="0" destOrd="0" presId="urn:microsoft.com/office/officeart/2005/8/layout/hProcess9"/>
-    <dgm:cxn modelId="{1DD8923F-3036-4B72-A10B-27B81A6B0497}" srcId="{D5BF01C8-BA18-4637-8097-9F25C6DD888A}" destId="{51D9FEEA-477E-45C2-8DD5-8AA8531734F8}" srcOrd="1" destOrd="0" parTransId="{AD23FF19-1BAB-4FC6-B765-6385CB00233D}" sibTransId="{F8D5CBBF-6A53-4905-921B-09D2D9B0E2BC}"/>
-    <dgm:cxn modelId="{603DC266-4920-4264-B897-1DCB1E98E941}" type="presOf" srcId="{51D9FEEA-477E-45C2-8DD5-8AA8531734F8}" destId="{82923929-F3FF-4541-B499-9734F8DE275E}" srcOrd="0" destOrd="0" presId="urn:microsoft.com/office/officeart/2005/8/layout/hProcess9"/>
+    <dgm:cxn modelId="{D7A0213E-E4F9-4785-A50A-B105C4D57CCE}" srcId="{D5BF01C8-BA18-4637-8097-9F25C6DD888A}" destId="{6AB2DEAE-546D-495F-8B4B-EEE1B414B5DD}" srcOrd="1" destOrd="0" parTransId="{08D3B713-6C6A-45C6-BE0E-5B5936DA41D0}" sibTransId="{5EF5E73B-1509-4E90-9976-1DAD9F279229}"/>
+    <dgm:cxn modelId="{182E194C-7035-4E1C-848B-2C3304286132}" type="presOf" srcId="{DF1349CD-99C9-4386-B020-EC3082425251}" destId="{D48869B9-7152-4934-BA0A-21DCA48D9FC1}" srcOrd="0" destOrd="0" presId="urn:microsoft.com/office/officeart/2005/8/layout/hProcess9"/>
     <dgm:cxn modelId="{B8932E6F-4A52-4DF0-BE77-9051CF18C65D}" type="presOf" srcId="{B52B0568-49E7-4E6A-8C48-9F8143729A70}" destId="{B8A2DAEB-1E64-4BAD-A9B0-61AE3C38631D}" srcOrd="0" destOrd="0" presId="urn:microsoft.com/office/officeart/2005/8/layout/hProcess9"/>
-    <dgm:cxn modelId="{CACA5989-3C79-4391-8EED-1C775440AAF3}" srcId="{D5BF01C8-BA18-4637-8097-9F25C6DD888A}" destId="{B52B0568-49E7-4E6A-8C48-9F8143729A70}" srcOrd="2" destOrd="0" parTransId="{8A208200-DA52-40EE-AAFE-4C6CF82A9B04}" sibTransId="{8BAA7A92-AA97-4F51-8A5E-D902E0FC25CF}"/>
+    <dgm:cxn modelId="{98C0CB71-B460-43C1-AC90-572DA7625F50}" type="presOf" srcId="{6AB2DEAE-546D-495F-8B4B-EEE1B414B5DD}" destId="{4F670D9B-1154-434F-97F7-1F623191062A}" srcOrd="0" destOrd="0" presId="urn:microsoft.com/office/officeart/2005/8/layout/hProcess9"/>
+    <dgm:cxn modelId="{CACA5989-3C79-4391-8EED-1C775440AAF3}" srcId="{D5BF01C8-BA18-4637-8097-9F25C6DD888A}" destId="{B52B0568-49E7-4E6A-8C48-9F8143729A70}" srcOrd="3" destOrd="0" parTransId="{8A208200-DA52-40EE-AAFE-4C6CF82A9B04}" sibTransId="{8BAA7A92-AA97-4F51-8A5E-D902E0FC25CF}"/>
     <dgm:cxn modelId="{1147818E-7036-4948-9F75-B5015C042339}" type="presOf" srcId="{02975F51-DB76-4C87-A249-24008F26E01E}" destId="{C7024FAC-9428-4B89-A5BF-DC8E2E4251FE}" srcOrd="0" destOrd="0" presId="urn:microsoft.com/office/officeart/2005/8/layout/hProcess9"/>
-    <dgm:cxn modelId="{D44D9EC2-D405-412E-8EAD-3819CAD48317}" srcId="{D5BF01C8-BA18-4637-8097-9F25C6DD888A}" destId="{7C0D6261-D4BD-4069-862D-F528E47343A0}" srcOrd="3" destOrd="0" parTransId="{37823C75-20AE-4D3C-9C61-CE7EB18B41D9}" sibTransId="{E2A70D48-3993-495A-95A4-AE4346C806D4}"/>
+    <dgm:cxn modelId="{D44D9EC2-D405-412E-8EAD-3819CAD48317}" srcId="{D5BF01C8-BA18-4637-8097-9F25C6DD888A}" destId="{7C0D6261-D4BD-4069-862D-F528E47343A0}" srcOrd="4" destOrd="0" parTransId="{37823C75-20AE-4D3C-9C61-CE7EB18B41D9}" sibTransId="{E2A70D48-3993-495A-95A4-AE4346C806D4}"/>
+    <dgm:cxn modelId="{12B1AEC7-5E61-4096-BE52-71539D6B0FC5}" srcId="{D5BF01C8-BA18-4637-8097-9F25C6DD888A}" destId="{DF1349CD-99C9-4386-B020-EC3082425251}" srcOrd="2" destOrd="0" parTransId="{5A0161AF-3FE6-4820-A3B5-4FAE6B983911}" sibTransId="{DC43D2A0-9306-47DB-9D1B-19183871780B}"/>
     <dgm:cxn modelId="{B312D1E2-163A-45E1-8985-D83C624E5059}" type="presOf" srcId="{D5BF01C8-BA18-4637-8097-9F25C6DD888A}" destId="{22873CB4-9E98-4C51-A9E7-A20E9F1FF88F}" srcOrd="0" destOrd="0" presId="urn:microsoft.com/office/officeart/2005/8/layout/hProcess9"/>
     <dgm:cxn modelId="{5A699A2D-8AED-4523-9DA1-24B6DCC92332}" type="presParOf" srcId="{22873CB4-9E98-4C51-A9E7-A20E9F1FF88F}" destId="{FD9B7FE2-712C-4A85-81F9-9942B132384D}" srcOrd="0" destOrd="0" presId="urn:microsoft.com/office/officeart/2005/8/layout/hProcess9"/>
     <dgm:cxn modelId="{4D27A099-2150-4F6D-AB1F-68E924555E7C}" type="presParOf" srcId="{22873CB4-9E98-4C51-A9E7-A20E9F1FF88F}" destId="{CCD80B0C-BC7A-4AFC-AD55-B210B672E54E}" srcOrd="1" destOrd="0" presId="urn:microsoft.com/office/officeart/2005/8/layout/hProcess9"/>
     <dgm:cxn modelId="{F01B0769-F4B2-4F0E-9CED-E01436F35DA4}" type="presParOf" srcId="{CCD80B0C-BC7A-4AFC-AD55-B210B672E54E}" destId="{C7024FAC-9428-4B89-A5BF-DC8E2E4251FE}" srcOrd="0" destOrd="0" presId="urn:microsoft.com/office/officeart/2005/8/layout/hProcess9"/>
     <dgm:cxn modelId="{F38153B5-9BD7-4128-9105-3E994D8D3E32}" type="presParOf" srcId="{CCD80B0C-BC7A-4AFC-AD55-B210B672E54E}" destId="{6E704BAC-57DC-479A-9E35-E7898B95B8C8}" srcOrd="1" destOrd="0" presId="urn:microsoft.com/office/officeart/2005/8/layout/hProcess9"/>
-    <dgm:cxn modelId="{88D2281E-5754-4758-9D93-667FE92FC159}" type="presParOf" srcId="{CCD80B0C-BC7A-4AFC-AD55-B210B672E54E}" destId="{82923929-F3FF-4541-B499-9734F8DE275E}" srcOrd="2" destOrd="0" presId="urn:microsoft.com/office/officeart/2005/8/layout/hProcess9"/>
-    <dgm:cxn modelId="{A2004535-0D75-41D4-A34A-D3BADD30D0C3}" type="presParOf" srcId="{CCD80B0C-BC7A-4AFC-AD55-B210B672E54E}" destId="{72E8CC01-3228-4D71-B5EE-6747908475AB}" srcOrd="3" destOrd="0" presId="urn:microsoft.com/office/officeart/2005/8/layout/hProcess9"/>
-    <dgm:cxn modelId="{AFE6193F-7045-4163-AF9A-FFA9FEB7F4BA}" type="presParOf" srcId="{CCD80B0C-BC7A-4AFC-AD55-B210B672E54E}" destId="{B8A2DAEB-1E64-4BAD-A9B0-61AE3C38631D}" srcOrd="4" destOrd="0" presId="urn:microsoft.com/office/officeart/2005/8/layout/hProcess9"/>
-    <dgm:cxn modelId="{69F26305-1C3B-442B-956C-DC5193C86D39}" type="presParOf" srcId="{CCD80B0C-BC7A-4AFC-AD55-B210B672E54E}" destId="{092EFD32-4F25-429A-9B67-C5BC2139173E}" srcOrd="5" destOrd="0" presId="urn:microsoft.com/office/officeart/2005/8/layout/hProcess9"/>
-    <dgm:cxn modelId="{A4727BB7-4B19-4E6A-A4E9-0B57C5CDC01B}" type="presParOf" srcId="{CCD80B0C-BC7A-4AFC-AD55-B210B672E54E}" destId="{2D25BC18-CCB3-45CE-A619-CFC3508EDF22}" srcOrd="6" destOrd="0" presId="urn:microsoft.com/office/officeart/2005/8/layout/hProcess9"/>
-    <dgm:cxn modelId="{C8C4794A-918A-4F72-B6DC-9C7F8A4F811D}" type="presParOf" srcId="{CCD80B0C-BC7A-4AFC-AD55-B210B672E54E}" destId="{13F6FB8B-6623-4511-9502-BE410A724D6A}" srcOrd="7" destOrd="0" presId="urn:microsoft.com/office/officeart/2005/8/layout/hProcess9"/>
-    <dgm:cxn modelId="{B5507722-B6B5-41E9-81CD-32891FBFBB11}" type="presParOf" srcId="{CCD80B0C-BC7A-4AFC-AD55-B210B672E54E}" destId="{D70D7A85-9CF1-46CB-BC54-2CE3477B0F63}" srcOrd="8" destOrd="0" presId="urn:microsoft.com/office/officeart/2005/8/layout/hProcess9"/>
+    <dgm:cxn modelId="{2E0C0068-FB08-40DB-8C77-2BDF4ED4AC34}" type="presParOf" srcId="{CCD80B0C-BC7A-4AFC-AD55-B210B672E54E}" destId="{4F670D9B-1154-434F-97F7-1F623191062A}" srcOrd="2" destOrd="0" presId="urn:microsoft.com/office/officeart/2005/8/layout/hProcess9"/>
+    <dgm:cxn modelId="{EBEC8643-9DD0-40D9-863D-B9D947755139}" type="presParOf" srcId="{CCD80B0C-BC7A-4AFC-AD55-B210B672E54E}" destId="{4C932176-5FE0-4315-B1CC-3CCAC06A6369}" srcOrd="3" destOrd="0" presId="urn:microsoft.com/office/officeart/2005/8/layout/hProcess9"/>
+    <dgm:cxn modelId="{CE49D4D5-04ED-44E7-9583-6BF2BF7BECFD}" type="presParOf" srcId="{CCD80B0C-BC7A-4AFC-AD55-B210B672E54E}" destId="{D48869B9-7152-4934-BA0A-21DCA48D9FC1}" srcOrd="4" destOrd="0" presId="urn:microsoft.com/office/officeart/2005/8/layout/hProcess9"/>
+    <dgm:cxn modelId="{1CA982E9-7001-403A-A694-F086A6C4A522}" type="presParOf" srcId="{CCD80B0C-BC7A-4AFC-AD55-B210B672E54E}" destId="{A68701D9-CFF9-42D8-9941-CFB0A4CA1B74}" srcOrd="5" destOrd="0" presId="urn:microsoft.com/office/officeart/2005/8/layout/hProcess9"/>
+    <dgm:cxn modelId="{AFE6193F-7045-4163-AF9A-FFA9FEB7F4BA}" type="presParOf" srcId="{CCD80B0C-BC7A-4AFC-AD55-B210B672E54E}" destId="{B8A2DAEB-1E64-4BAD-A9B0-61AE3C38631D}" srcOrd="6" destOrd="0" presId="urn:microsoft.com/office/officeart/2005/8/layout/hProcess9"/>
+    <dgm:cxn modelId="{69F26305-1C3B-442B-956C-DC5193C86D39}" type="presParOf" srcId="{CCD80B0C-BC7A-4AFC-AD55-B210B672E54E}" destId="{092EFD32-4F25-429A-9B67-C5BC2139173E}" srcOrd="7" destOrd="0" presId="urn:microsoft.com/office/officeart/2005/8/layout/hProcess9"/>
+    <dgm:cxn modelId="{A4727BB7-4B19-4E6A-A4E9-0B57C5CDC01B}" type="presParOf" srcId="{CCD80B0C-BC7A-4AFC-AD55-B210B672E54E}" destId="{2D25BC18-CCB3-45CE-A619-CFC3508EDF22}" srcOrd="8" destOrd="0" presId="urn:microsoft.com/office/officeart/2005/8/layout/hProcess9"/>
   </dgm:cxnLst>
   <dgm:bg/>
   <dgm:whole/>
@@ -1528,8 +1513,8 @@
       </dsp:nvSpPr>
       <dsp:spPr>
         <a:xfrm>
-          <a:off x="4420" y="1128236"/>
-          <a:ext cx="1932607" cy="1504315"/>
+          <a:off x="3771" y="1128236"/>
+          <a:ext cx="1919508" cy="1504315"/>
         </a:xfrm>
         <a:prstGeom prst="roundRect">
           <a:avLst/>
@@ -1570,12 +1555,12 @@
         </a:fontRef>
       </dsp:style>
       <dsp:txBody>
-        <a:bodyPr spcFirstLastPara="0" vert="horz" wrap="square" lIns="87630" tIns="87630" rIns="87630" bIns="87630" numCol="1" spcCol="1270" anchor="ctr" anchorCtr="0">
+        <a:bodyPr spcFirstLastPara="0" vert="horz" wrap="square" lIns="99060" tIns="99060" rIns="99060" bIns="99060" numCol="1" spcCol="1270" anchor="ctr" anchorCtr="0">
           <a:noAutofit/>
         </a:bodyPr>
         <a:lstStyle/>
         <a:p>
-          <a:pPr marL="0" lvl="0" indent="0" algn="ctr" defTabSz="1022350">
+          <a:pPr marL="0" lvl="0" indent="0" algn="ctr" defTabSz="1155700">
             <a:lnSpc>
               <a:spcPct val="90000"/>
             </a:lnSpc>
@@ -1588,26 +1573,26 @@
             <a:buNone/>
           </a:pPr>
           <a:r>
-            <a:rPr lang="en-US" sz="2300" kern="1200" dirty="0"/>
+            <a:rPr lang="en-US" sz="2600" kern="1200" dirty="0"/>
             <a:t>Named entities to files</a:t>
           </a:r>
-          <a:endParaRPr lang="en-FI" sz="2300" kern="1200" dirty="0"/>
+          <a:endParaRPr lang="en-FI" sz="2600" kern="1200" dirty="0"/>
         </a:p>
       </dsp:txBody>
       <dsp:txXfrm>
-        <a:off x="77855" y="1201671"/>
-        <a:ext cx="1785737" cy="1357445"/>
+        <a:off x="77206" y="1201671"/>
+        <a:ext cx="1772638" cy="1357445"/>
       </dsp:txXfrm>
     </dsp:sp>
-    <dsp:sp modelId="{82923929-F3FF-4541-B499-9734F8DE275E}">
+    <dsp:sp modelId="{4F670D9B-1154-434F-97F7-1F623191062A}">
       <dsp:nvSpPr>
         <dsp:cNvPr id="0" name=""/>
         <dsp:cNvSpPr/>
       </dsp:nvSpPr>
       <dsp:spPr>
         <a:xfrm>
-          <a:off x="2033658" y="1128236"/>
-          <a:ext cx="1932607" cy="1504315"/>
+          <a:off x="2036608" y="1128236"/>
+          <a:ext cx="1919508" cy="1504315"/>
         </a:xfrm>
         <a:prstGeom prst="roundRect">
           <a:avLst/>
@@ -1648,12 +1633,12 @@
         </a:fontRef>
       </dsp:style>
       <dsp:txBody>
-        <a:bodyPr spcFirstLastPara="0" vert="horz" wrap="square" lIns="87630" tIns="87630" rIns="87630" bIns="87630" numCol="1" spcCol="1270" anchor="ctr" anchorCtr="0">
+        <a:bodyPr spcFirstLastPara="0" vert="horz" wrap="square" lIns="99060" tIns="99060" rIns="99060" bIns="99060" numCol="1" spcCol="1270" anchor="ctr" anchorCtr="0">
           <a:noAutofit/>
         </a:bodyPr>
         <a:lstStyle/>
         <a:p>
-          <a:pPr marL="0" lvl="0" indent="0" algn="ctr" defTabSz="1022350">
+          <a:pPr marL="0" lvl="0" indent="0" algn="ctr" defTabSz="1155700">
             <a:lnSpc>
               <a:spcPct val="90000"/>
             </a:lnSpc>
@@ -1666,26 +1651,26 @@
             <a:buNone/>
           </a:pPr>
           <a:r>
-            <a:rPr lang="en-US" sz="2300" kern="1200" dirty="0"/>
-            <a:t>Combine analysis files with ids</a:t>
+            <a:rPr lang="en-US" sz="2600" kern="1200" dirty="0"/>
+            <a:t>Hypothesis testing</a:t>
           </a:r>
-          <a:endParaRPr lang="en-FI" sz="2300" kern="1200" dirty="0"/>
+          <a:endParaRPr lang="en-FI" sz="2600" kern="1200" dirty="0"/>
         </a:p>
       </dsp:txBody>
       <dsp:txXfrm>
-        <a:off x="2107093" y="1201671"/>
-        <a:ext cx="1785737" cy="1357445"/>
+        <a:off x="2110043" y="1201671"/>
+        <a:ext cx="1772638" cy="1357445"/>
       </dsp:txXfrm>
     </dsp:sp>
-    <dsp:sp modelId="{B8A2DAEB-1E64-4BAD-A9B0-61AE3C38631D}">
+    <dsp:sp modelId="{D48869B9-7152-4934-BA0A-21DCA48D9FC1}">
       <dsp:nvSpPr>
         <dsp:cNvPr id="0" name=""/>
         <dsp:cNvSpPr/>
       </dsp:nvSpPr>
       <dsp:spPr>
         <a:xfrm>
-          <a:off x="4062896" y="1128236"/>
-          <a:ext cx="1932607" cy="1504315"/>
+          <a:off x="4069445" y="1128236"/>
+          <a:ext cx="1919508" cy="1504315"/>
         </a:xfrm>
         <a:prstGeom prst="roundRect">
           <a:avLst/>
@@ -1726,12 +1711,12 @@
         </a:fontRef>
       </dsp:style>
       <dsp:txBody>
-        <a:bodyPr spcFirstLastPara="0" vert="horz" wrap="square" lIns="87630" tIns="87630" rIns="87630" bIns="87630" numCol="1" spcCol="1270" anchor="ctr" anchorCtr="0">
+        <a:bodyPr spcFirstLastPara="0" vert="horz" wrap="square" lIns="99060" tIns="99060" rIns="99060" bIns="99060" numCol="1" spcCol="1270" anchor="ctr" anchorCtr="0">
           <a:noAutofit/>
         </a:bodyPr>
         <a:lstStyle/>
         <a:p>
-          <a:pPr marL="0" lvl="0" indent="0" algn="ctr" defTabSz="1022350">
+          <a:pPr marL="0" lvl="0" indent="0" algn="ctr" defTabSz="1155700">
             <a:lnSpc>
               <a:spcPct val="90000"/>
             </a:lnSpc>
@@ -1744,26 +1729,30 @@
             <a:buNone/>
           </a:pPr>
           <a:r>
-            <a:rPr lang="en-US" sz="2300" kern="1200" dirty="0"/>
-            <a:t>Update GUI</a:t>
+            <a:rPr lang="en-US" sz="2600" kern="1200" dirty="0" err="1"/>
+            <a:t>Analyse</a:t>
           </a:r>
-          <a:endParaRPr lang="en-FI" sz="2300" kern="1200" dirty="0"/>
+          <a:r>
+            <a:rPr lang="en-US" sz="2600" kern="1200" dirty="0"/>
+            <a:t> results</a:t>
+          </a:r>
+          <a:endParaRPr lang="en-FI" sz="2600" kern="1200" dirty="0"/>
         </a:p>
       </dsp:txBody>
       <dsp:txXfrm>
-        <a:off x="4136331" y="1201671"/>
-        <a:ext cx="1785737" cy="1357445"/>
+        <a:off x="4142880" y="1201671"/>
+        <a:ext cx="1772638" cy="1357445"/>
       </dsp:txXfrm>
     </dsp:sp>
-    <dsp:sp modelId="{2D25BC18-CCB3-45CE-A619-CFC3508EDF22}">
+    <dsp:sp modelId="{B8A2DAEB-1E64-4BAD-A9B0-61AE3C38631D}">
       <dsp:nvSpPr>
         <dsp:cNvPr id="0" name=""/>
         <dsp:cNvSpPr/>
       </dsp:nvSpPr>
       <dsp:spPr>
         <a:xfrm>
-          <a:off x="6092134" y="1128236"/>
-          <a:ext cx="1932607" cy="1504315"/>
+          <a:off x="6102282" y="1128236"/>
+          <a:ext cx="1919508" cy="1504315"/>
         </a:xfrm>
         <a:prstGeom prst="roundRect">
           <a:avLst/>
@@ -1804,12 +1793,12 @@
         </a:fontRef>
       </dsp:style>
       <dsp:txBody>
-        <a:bodyPr spcFirstLastPara="0" vert="horz" wrap="square" lIns="87630" tIns="87630" rIns="87630" bIns="87630" numCol="1" spcCol="1270" anchor="ctr" anchorCtr="0">
+        <a:bodyPr spcFirstLastPara="0" vert="horz" wrap="square" lIns="99060" tIns="99060" rIns="99060" bIns="99060" numCol="1" spcCol="1270" anchor="ctr" anchorCtr="0">
           <a:noAutofit/>
         </a:bodyPr>
         <a:lstStyle/>
         <a:p>
-          <a:pPr marL="0" lvl="0" indent="0" algn="ctr" defTabSz="1022350">
+          <a:pPr marL="0" lvl="0" indent="0" algn="ctr" defTabSz="1155700">
             <a:lnSpc>
               <a:spcPct val="90000"/>
             </a:lnSpc>
@@ -1822,26 +1811,26 @@
             <a:buNone/>
           </a:pPr>
           <a:r>
-            <a:rPr lang="en-US" sz="2300" kern="1200" dirty="0"/>
-            <a:t>Create report</a:t>
+            <a:rPr lang="en-US" sz="2600" kern="1200" dirty="0"/>
+            <a:t>Update GUI</a:t>
           </a:r>
-          <a:endParaRPr lang="en-FI" sz="2300" kern="1200" dirty="0"/>
+          <a:endParaRPr lang="en-FI" sz="2600" kern="1200" dirty="0"/>
         </a:p>
       </dsp:txBody>
       <dsp:txXfrm>
-        <a:off x="6165569" y="1201671"/>
-        <a:ext cx="1785737" cy="1357445"/>
+        <a:off x="6175717" y="1201671"/>
+        <a:ext cx="1772638" cy="1357445"/>
       </dsp:txXfrm>
     </dsp:sp>
-    <dsp:sp modelId="{D70D7A85-9CF1-46CB-BC54-2CE3477B0F63}">
+    <dsp:sp modelId="{2D25BC18-CCB3-45CE-A619-CFC3508EDF22}">
       <dsp:nvSpPr>
         <dsp:cNvPr id="0" name=""/>
         <dsp:cNvSpPr/>
       </dsp:nvSpPr>
       <dsp:spPr>
         <a:xfrm>
-          <a:off x="8121372" y="1128236"/>
-          <a:ext cx="1932607" cy="1504315"/>
+          <a:off x="8135120" y="1128236"/>
+          <a:ext cx="1919508" cy="1504315"/>
         </a:xfrm>
         <a:prstGeom prst="roundRect">
           <a:avLst/>
@@ -1882,12 +1871,12 @@
         </a:fontRef>
       </dsp:style>
       <dsp:txBody>
-        <a:bodyPr spcFirstLastPara="0" vert="horz" wrap="square" lIns="87630" tIns="87630" rIns="87630" bIns="87630" numCol="1" spcCol="1270" anchor="ctr" anchorCtr="0">
+        <a:bodyPr spcFirstLastPara="0" vert="horz" wrap="square" lIns="99060" tIns="99060" rIns="99060" bIns="99060" numCol="1" spcCol="1270" anchor="ctr" anchorCtr="0">
           <a:noAutofit/>
         </a:bodyPr>
         <a:lstStyle/>
         <a:p>
-          <a:pPr marL="0" lvl="0" indent="0" algn="ctr" defTabSz="1022350">
+          <a:pPr marL="0" lvl="0" indent="0" algn="ctr" defTabSz="1155700">
             <a:lnSpc>
               <a:spcPct val="90000"/>
             </a:lnSpc>
@@ -1900,15 +1889,15 @@
             <a:buNone/>
           </a:pPr>
           <a:r>
-            <a:rPr lang="en-US" sz="2300" kern="1200" dirty="0"/>
-            <a:t>Create presentation</a:t>
+            <a:rPr lang="en-US" sz="2600" kern="1200" dirty="0"/>
+            <a:t>Create report</a:t>
           </a:r>
-          <a:endParaRPr lang="en-FI" sz="2300" kern="1200" dirty="0"/>
+          <a:endParaRPr lang="en-FI" sz="2600" kern="1200" dirty="0"/>
         </a:p>
       </dsp:txBody>
       <dsp:txXfrm>
-        <a:off x="8194807" y="1201671"/>
-        <a:ext cx="1785737" cy="1357445"/>
+        <a:off x="8208555" y="1201671"/>
+        <a:ext cx="1772638" cy="1357445"/>
       </dsp:txXfrm>
     </dsp:sp>
   </dsp:spTree>
@@ -3103,6 +3092,663 @@
 </dgm:styleDef>
 </file>
 
+<file path=ppt/notesMasters/notesMaster1.xml><?xml version="1.0" encoding="utf-8"?>
+<p:notesMaster xmlns:a="http://schemas.openxmlformats.org/drawingml/2006/main" xmlns:r="http://schemas.openxmlformats.org/officeDocument/2006/relationships" xmlns:p="http://schemas.openxmlformats.org/presentationml/2006/main">
+  <p:cSld>
+    <p:bg>
+      <p:bgRef idx="1001">
+        <a:schemeClr val="bg1"/>
+      </p:bgRef>
+    </p:bg>
+    <p:spTree>
+      <p:nvGrpSpPr>
+        <p:cNvPr id="1" name=""/>
+        <p:cNvGrpSpPr/>
+        <p:nvPr/>
+      </p:nvGrpSpPr>
+      <p:grpSpPr>
+        <a:xfrm>
+          <a:off x="0" y="0"/>
+          <a:ext cx="0" cy="0"/>
+          <a:chOff x="0" y="0"/>
+          <a:chExt cx="0" cy="0"/>
+        </a:xfrm>
+      </p:grpSpPr>
+      <p:sp>
+        <p:nvSpPr>
+          <p:cNvPr id="2" name="Header Placeholder 1"/>
+          <p:cNvSpPr>
+            <a:spLocks noGrp="1"/>
+          </p:cNvSpPr>
+          <p:nvPr>
+            <p:ph type="hdr" sz="quarter"/>
+          </p:nvPr>
+        </p:nvSpPr>
+        <p:spPr>
+          <a:xfrm>
+            <a:off x="0" y="0"/>
+            <a:ext cx="2971800" cy="458788"/>
+          </a:xfrm>
+          <a:prstGeom prst="rect">
+            <a:avLst/>
+          </a:prstGeom>
+        </p:spPr>
+        <p:txBody>
+          <a:bodyPr vert="horz" lIns="91440" tIns="45720" rIns="91440" bIns="45720" rtlCol="0"/>
+          <a:lstStyle>
+            <a:lvl1pPr algn="l">
+              <a:defRPr sz="1200"/>
+            </a:lvl1pPr>
+          </a:lstStyle>
+          <a:p>
+            <a:endParaRPr lang="en-FI"/>
+          </a:p>
+        </p:txBody>
+      </p:sp>
+      <p:sp>
+        <p:nvSpPr>
+          <p:cNvPr id="3" name="Date Placeholder 2"/>
+          <p:cNvSpPr>
+            <a:spLocks noGrp="1"/>
+          </p:cNvSpPr>
+          <p:nvPr>
+            <p:ph type="dt" idx="1"/>
+          </p:nvPr>
+        </p:nvSpPr>
+        <p:spPr>
+          <a:xfrm>
+            <a:off x="3884613" y="0"/>
+            <a:ext cx="2971800" cy="458788"/>
+          </a:xfrm>
+          <a:prstGeom prst="rect">
+            <a:avLst/>
+          </a:prstGeom>
+        </p:spPr>
+        <p:txBody>
+          <a:bodyPr vert="horz" lIns="91440" tIns="45720" rIns="91440" bIns="45720" rtlCol="0"/>
+          <a:lstStyle>
+            <a:lvl1pPr algn="r">
+              <a:defRPr sz="1200"/>
+            </a:lvl1pPr>
+          </a:lstStyle>
+          <a:p>
+            <a:fld id="{33041962-2E55-4C7E-86B9-395D8B039344}" type="datetimeFigureOut">
+              <a:rPr lang="en-FI" smtClean="0"/>
+              <a:t>21/10/2020</a:t>
+            </a:fld>
+            <a:endParaRPr lang="en-FI"/>
+          </a:p>
+        </p:txBody>
+      </p:sp>
+      <p:sp>
+        <p:nvSpPr>
+          <p:cNvPr id="4" name="Slide Image Placeholder 3"/>
+          <p:cNvSpPr>
+            <a:spLocks noGrp="1" noRot="1" noChangeAspect="1"/>
+          </p:cNvSpPr>
+          <p:nvPr>
+            <p:ph type="sldImg" idx="2"/>
+          </p:nvPr>
+        </p:nvSpPr>
+        <p:spPr>
+          <a:xfrm>
+            <a:off x="685800" y="1143000"/>
+            <a:ext cx="5486400" cy="3086100"/>
+          </a:xfrm>
+          <a:prstGeom prst="rect">
+            <a:avLst/>
+          </a:prstGeom>
+          <a:noFill/>
+          <a:ln w="12700">
+            <a:solidFill>
+              <a:prstClr val="black"/>
+            </a:solidFill>
+          </a:ln>
+        </p:spPr>
+        <p:txBody>
+          <a:bodyPr vert="horz" lIns="91440" tIns="45720" rIns="91440" bIns="45720" rtlCol="0" anchor="ctr"/>
+          <a:lstStyle/>
+          <a:p>
+            <a:endParaRPr lang="en-FI"/>
+          </a:p>
+        </p:txBody>
+      </p:sp>
+      <p:sp>
+        <p:nvSpPr>
+          <p:cNvPr id="5" name="Notes Placeholder 4"/>
+          <p:cNvSpPr>
+            <a:spLocks noGrp="1"/>
+          </p:cNvSpPr>
+          <p:nvPr>
+            <p:ph type="body" sz="quarter" idx="3"/>
+          </p:nvPr>
+        </p:nvSpPr>
+        <p:spPr>
+          <a:xfrm>
+            <a:off x="685800" y="4400550"/>
+            <a:ext cx="5486400" cy="3600450"/>
+          </a:xfrm>
+          <a:prstGeom prst="rect">
+            <a:avLst/>
+          </a:prstGeom>
+        </p:spPr>
+        <p:txBody>
+          <a:bodyPr vert="horz" lIns="91440" tIns="45720" rIns="91440" bIns="45720" rtlCol="0"/>
+          <a:lstStyle/>
+          <a:p>
+            <a:pPr lvl="0"/>
+            <a:r>
+              <a:rPr lang="en-US"/>
+              <a:t>Click to edit Master text styles</a:t>
+            </a:r>
+          </a:p>
+          <a:p>
+            <a:pPr lvl="1"/>
+            <a:r>
+              <a:rPr lang="en-US"/>
+              <a:t>Second level</a:t>
+            </a:r>
+          </a:p>
+          <a:p>
+            <a:pPr lvl="2"/>
+            <a:r>
+              <a:rPr lang="en-US"/>
+              <a:t>Third level</a:t>
+            </a:r>
+          </a:p>
+          <a:p>
+            <a:pPr lvl="3"/>
+            <a:r>
+              <a:rPr lang="en-US"/>
+              <a:t>Fourth level</a:t>
+            </a:r>
+          </a:p>
+          <a:p>
+            <a:pPr lvl="4"/>
+            <a:r>
+              <a:rPr lang="en-US"/>
+              <a:t>Fifth level</a:t>
+            </a:r>
+            <a:endParaRPr lang="en-FI"/>
+          </a:p>
+        </p:txBody>
+      </p:sp>
+      <p:sp>
+        <p:nvSpPr>
+          <p:cNvPr id="6" name="Footer Placeholder 5"/>
+          <p:cNvSpPr>
+            <a:spLocks noGrp="1"/>
+          </p:cNvSpPr>
+          <p:nvPr>
+            <p:ph type="ftr" sz="quarter" idx="4"/>
+          </p:nvPr>
+        </p:nvSpPr>
+        <p:spPr>
+          <a:xfrm>
+            <a:off x="0" y="8685213"/>
+            <a:ext cx="2971800" cy="458787"/>
+          </a:xfrm>
+          <a:prstGeom prst="rect">
+            <a:avLst/>
+          </a:prstGeom>
+        </p:spPr>
+        <p:txBody>
+          <a:bodyPr vert="horz" lIns="91440" tIns="45720" rIns="91440" bIns="45720" rtlCol="0" anchor="b"/>
+          <a:lstStyle>
+            <a:lvl1pPr algn="l">
+              <a:defRPr sz="1200"/>
+            </a:lvl1pPr>
+          </a:lstStyle>
+          <a:p>
+            <a:endParaRPr lang="en-FI"/>
+          </a:p>
+        </p:txBody>
+      </p:sp>
+      <p:sp>
+        <p:nvSpPr>
+          <p:cNvPr id="7" name="Slide Number Placeholder 6"/>
+          <p:cNvSpPr>
+            <a:spLocks noGrp="1"/>
+          </p:cNvSpPr>
+          <p:nvPr>
+            <p:ph type="sldNum" sz="quarter" idx="5"/>
+          </p:nvPr>
+        </p:nvSpPr>
+        <p:spPr>
+          <a:xfrm>
+            <a:off x="3884613" y="8685213"/>
+            <a:ext cx="2971800" cy="458787"/>
+          </a:xfrm>
+          <a:prstGeom prst="rect">
+            <a:avLst/>
+          </a:prstGeom>
+        </p:spPr>
+        <p:txBody>
+          <a:bodyPr vert="horz" lIns="91440" tIns="45720" rIns="91440" bIns="45720" rtlCol="0" anchor="b"/>
+          <a:lstStyle>
+            <a:lvl1pPr algn="r">
+              <a:defRPr sz="1200"/>
+            </a:lvl1pPr>
+          </a:lstStyle>
+          <a:p>
+            <a:fld id="{EE674A8A-80C3-4387-9329-48E85A23EF7B}" type="slidenum">
+              <a:rPr lang="en-FI" smtClean="0"/>
+              <a:t>‹#›</a:t>
+            </a:fld>
+            <a:endParaRPr lang="en-FI"/>
+          </a:p>
+        </p:txBody>
+      </p:sp>
+    </p:spTree>
+    <p:extLst>
+      <p:ext uri="{BB962C8B-B14F-4D97-AF65-F5344CB8AC3E}">
+        <p14:creationId xmlns:p14="http://schemas.microsoft.com/office/powerpoint/2010/main" val="3133811425"/>
+      </p:ext>
+    </p:extLst>
+  </p:cSld>
+  <p:clrMap bg1="lt1" tx1="dk1" bg2="lt2" tx2="dk2" accent1="accent1" accent2="accent2" accent3="accent3" accent4="accent4" accent5="accent5" accent6="accent6" hlink="hlink" folHlink="folHlink"/>
+  <p:notesStyle>
+    <a:lvl1pPr marL="0" algn="l" defTabSz="914400" rtl="0" eaLnBrk="1" latinLnBrk="0" hangingPunct="1">
+      <a:defRPr sz="1200" kern="1200">
+        <a:solidFill>
+          <a:schemeClr val="tx1"/>
+        </a:solidFill>
+        <a:latin typeface="+mn-lt"/>
+        <a:ea typeface="+mn-ea"/>
+        <a:cs typeface="+mn-cs"/>
+      </a:defRPr>
+    </a:lvl1pPr>
+    <a:lvl2pPr marL="457200" algn="l" defTabSz="914400" rtl="0" eaLnBrk="1" latinLnBrk="0" hangingPunct="1">
+      <a:defRPr sz="1200" kern="1200">
+        <a:solidFill>
+          <a:schemeClr val="tx1"/>
+        </a:solidFill>
+        <a:latin typeface="+mn-lt"/>
+        <a:ea typeface="+mn-ea"/>
+        <a:cs typeface="+mn-cs"/>
+      </a:defRPr>
+    </a:lvl2pPr>
+    <a:lvl3pPr marL="914400" algn="l" defTabSz="914400" rtl="0" eaLnBrk="1" latinLnBrk="0" hangingPunct="1">
+      <a:defRPr sz="1200" kern="1200">
+        <a:solidFill>
+          <a:schemeClr val="tx1"/>
+        </a:solidFill>
+        <a:latin typeface="+mn-lt"/>
+        <a:ea typeface="+mn-ea"/>
+        <a:cs typeface="+mn-cs"/>
+      </a:defRPr>
+    </a:lvl3pPr>
+    <a:lvl4pPr marL="1371600" algn="l" defTabSz="914400" rtl="0" eaLnBrk="1" latinLnBrk="0" hangingPunct="1">
+      <a:defRPr sz="1200" kern="1200">
+        <a:solidFill>
+          <a:schemeClr val="tx1"/>
+        </a:solidFill>
+        <a:latin typeface="+mn-lt"/>
+        <a:ea typeface="+mn-ea"/>
+        <a:cs typeface="+mn-cs"/>
+      </a:defRPr>
+    </a:lvl4pPr>
+    <a:lvl5pPr marL="1828800" algn="l" defTabSz="914400" rtl="0" eaLnBrk="1" latinLnBrk="0" hangingPunct="1">
+      <a:defRPr sz="1200" kern="1200">
+        <a:solidFill>
+          <a:schemeClr val="tx1"/>
+        </a:solidFill>
+        <a:latin typeface="+mn-lt"/>
+        <a:ea typeface="+mn-ea"/>
+        <a:cs typeface="+mn-cs"/>
+      </a:defRPr>
+    </a:lvl5pPr>
+    <a:lvl6pPr marL="2286000" algn="l" defTabSz="914400" rtl="0" eaLnBrk="1" latinLnBrk="0" hangingPunct="1">
+      <a:defRPr sz="1200" kern="1200">
+        <a:solidFill>
+          <a:schemeClr val="tx1"/>
+        </a:solidFill>
+        <a:latin typeface="+mn-lt"/>
+        <a:ea typeface="+mn-ea"/>
+        <a:cs typeface="+mn-cs"/>
+      </a:defRPr>
+    </a:lvl6pPr>
+    <a:lvl7pPr marL="2743200" algn="l" defTabSz="914400" rtl="0" eaLnBrk="1" latinLnBrk="0" hangingPunct="1">
+      <a:defRPr sz="1200" kern="1200">
+        <a:solidFill>
+          <a:schemeClr val="tx1"/>
+        </a:solidFill>
+        <a:latin typeface="+mn-lt"/>
+        <a:ea typeface="+mn-ea"/>
+        <a:cs typeface="+mn-cs"/>
+      </a:defRPr>
+    </a:lvl7pPr>
+    <a:lvl8pPr marL="3200400" algn="l" defTabSz="914400" rtl="0" eaLnBrk="1" latinLnBrk="0" hangingPunct="1">
+      <a:defRPr sz="1200" kern="1200">
+        <a:solidFill>
+          <a:schemeClr val="tx1"/>
+        </a:solidFill>
+        <a:latin typeface="+mn-lt"/>
+        <a:ea typeface="+mn-ea"/>
+        <a:cs typeface="+mn-cs"/>
+      </a:defRPr>
+    </a:lvl8pPr>
+    <a:lvl9pPr marL="3657600" algn="l" defTabSz="914400" rtl="0" eaLnBrk="1" latinLnBrk="0" hangingPunct="1">
+      <a:defRPr sz="1200" kern="1200">
+        <a:solidFill>
+          <a:schemeClr val="tx1"/>
+        </a:solidFill>
+        <a:latin typeface="+mn-lt"/>
+        <a:ea typeface="+mn-ea"/>
+        <a:cs typeface="+mn-cs"/>
+      </a:defRPr>
+    </a:lvl9pPr>
+  </p:notesStyle>
+</p:notesMaster>
+</file>
+
+<file path=ppt/notesSlides/notesSlide1.xml><?xml version="1.0" encoding="utf-8"?>
+<p:notes xmlns:a="http://schemas.openxmlformats.org/drawingml/2006/main" xmlns:r="http://schemas.openxmlformats.org/officeDocument/2006/relationships" xmlns:p="http://schemas.openxmlformats.org/presentationml/2006/main">
+  <p:cSld>
+    <p:spTree>
+      <p:nvGrpSpPr>
+        <p:cNvPr id="1" name=""/>
+        <p:cNvGrpSpPr/>
+        <p:nvPr/>
+      </p:nvGrpSpPr>
+      <p:grpSpPr>
+        <a:xfrm>
+          <a:off x="0" y="0"/>
+          <a:ext cx="0" cy="0"/>
+          <a:chOff x="0" y="0"/>
+          <a:chExt cx="0" cy="0"/>
+        </a:xfrm>
+      </p:grpSpPr>
+      <p:sp>
+        <p:nvSpPr>
+          <p:cNvPr id="2" name="Slide Image Placeholder 1"/>
+          <p:cNvSpPr>
+            <a:spLocks noGrp="1" noRot="1" noChangeAspect="1"/>
+          </p:cNvSpPr>
+          <p:nvPr>
+            <p:ph type="sldImg"/>
+          </p:nvPr>
+        </p:nvSpPr>
+        <p:spPr/>
+      </p:sp>
+      <p:sp>
+        <p:nvSpPr>
+          <p:cNvPr id="3" name="Notes Placeholder 2"/>
+          <p:cNvSpPr>
+            <a:spLocks noGrp="1"/>
+          </p:cNvSpPr>
+          <p:nvPr>
+            <p:ph type="body" idx="1"/>
+          </p:nvPr>
+        </p:nvSpPr>
+        <p:spPr/>
+        <p:txBody>
+          <a:bodyPr/>
+          <a:lstStyle/>
+          <a:p>
+            <a:r>
+              <a:rPr lang="en-US" dirty="0"/>
+              <a:t>Parse reviews instead of gather</a:t>
+            </a:r>
+          </a:p>
+          <a:p>
+            <a:pPr marL="342900" lvl="0" indent="-342900">
+              <a:lnSpc>
+                <a:spcPct val="107000"/>
+              </a:lnSpc>
+              <a:buFont typeface="+mj-lt"/>
+              <a:buAutoNum type="arabicPeriod"/>
+            </a:pPr>
+            <a:r>
+              <a:rPr lang="en-US" sz="1800" dirty="0">
+                <a:effectLst/>
+                <a:latin typeface="Calibri" panose="020F0502020204030204" pitchFamily="34" charset="0"/>
+                <a:ea typeface="Calibri" panose="020F0502020204030204" pitchFamily="34" charset="0"/>
+                <a:cs typeface="Times New Roman" panose="02020603050405020304" pitchFamily="18" charset="0"/>
+              </a:rPr>
+              <a:t>Repeat 10) when we would to test the hypothesis that ambiguous reviews are likely to be short. So, construct a vector containing the cardinal of each review report and see whether the above claim is sustainable. </a:t>
+            </a:r>
+            <a:endParaRPr lang="en-FI" sz="1800" dirty="0">
+              <a:effectLst/>
+              <a:latin typeface="Calibri" panose="020F0502020204030204" pitchFamily="34" charset="0"/>
+              <a:ea typeface="Calibri" panose="020F0502020204030204" pitchFamily="34" charset="0"/>
+              <a:cs typeface="Times New Roman" panose="02020603050405020304" pitchFamily="18" charset="0"/>
+            </a:endParaRPr>
+          </a:p>
+          <a:p>
+            <a:pPr marL="342900" lvl="0" indent="-342900">
+              <a:lnSpc>
+                <a:spcPct val="107000"/>
+              </a:lnSpc>
+              <a:spcAft>
+                <a:spcPts val="800"/>
+              </a:spcAft>
+              <a:buFont typeface="+mj-lt"/>
+              <a:buAutoNum type="arabicPeriod"/>
+            </a:pPr>
+            <a:r>
+              <a:rPr lang="en-US" sz="1800" dirty="0">
+                <a:effectLst/>
+                <a:latin typeface="Calibri" panose="020F0502020204030204" pitchFamily="34" charset="0"/>
+                <a:ea typeface="Calibri" panose="020F0502020204030204" pitchFamily="34" charset="0"/>
+                <a:cs typeface="Times New Roman" panose="02020603050405020304" pitchFamily="18" charset="0"/>
+              </a:rPr>
+              <a:t>We would like to see to test the hypothesis that ambiguous reviews have bad readability. For this purpose, consider the Automated readability Index, which expresses the Readability of review as 4.71(#characters/word) + 0.25( #words/Sentence)-21.43.  This is already implemented in python </a:t>
+            </a:r>
+            <a:r>
+              <a:rPr lang="en-US" sz="1800" dirty="0" err="1">
+                <a:effectLst/>
+                <a:latin typeface="Calibri" panose="020F0502020204030204" pitchFamily="34" charset="0"/>
+                <a:ea typeface="Calibri" panose="020F0502020204030204" pitchFamily="34" charset="0"/>
+                <a:cs typeface="Times New Roman" panose="02020603050405020304" pitchFamily="18" charset="0"/>
+              </a:rPr>
+              <a:t>Textstat</a:t>
+            </a:r>
+            <a:r>
+              <a:rPr lang="en-US" sz="1800" dirty="0">
+                <a:effectLst/>
+                <a:latin typeface="Calibri" panose="020F0502020204030204" pitchFamily="34" charset="0"/>
+                <a:ea typeface="Calibri" panose="020F0502020204030204" pitchFamily="34" charset="0"/>
+                <a:cs typeface="Times New Roman" panose="02020603050405020304" pitchFamily="18" charset="0"/>
+              </a:rPr>
+              <a:t> library </a:t>
+            </a:r>
+            <a:r>
+              <a:rPr lang="en-US" sz="1800" u="sng" dirty="0">
+                <a:solidFill>
+                  <a:srgbClr val="0563C1"/>
+                </a:solidFill>
+                <a:effectLst/>
+                <a:latin typeface="Calibri" panose="020F0502020204030204" pitchFamily="34" charset="0"/>
+                <a:ea typeface="Calibri" panose="020F0502020204030204" pitchFamily="34" charset="0"/>
+                <a:cs typeface="Times New Roman" panose="02020603050405020304" pitchFamily="18" charset="0"/>
+                <a:hlinkClick r:id="rId3"/>
+              </a:rPr>
+              <a:t>https://pypi.org/project/textstat/</a:t>
+            </a:r>
+            <a:r>
+              <a:rPr lang="en-US" sz="1800" dirty="0">
+                <a:effectLst/>
+                <a:latin typeface="Calibri" panose="020F0502020204030204" pitchFamily="34" charset="0"/>
+                <a:ea typeface="Calibri" panose="020F0502020204030204" pitchFamily="34" charset="0"/>
+                <a:cs typeface="Times New Roman" panose="02020603050405020304" pitchFamily="18" charset="0"/>
+              </a:rPr>
+              <a:t>.  Calculate the automated readability index for each review and add it to database D. Then, test whether poor readability value entails high probability to belong to ambiguous class. </a:t>
+            </a:r>
+            <a:endParaRPr lang="en-FI" sz="1800" dirty="0">
+              <a:effectLst/>
+              <a:latin typeface="Calibri" panose="020F0502020204030204" pitchFamily="34" charset="0"/>
+              <a:ea typeface="Calibri" panose="020F0502020204030204" pitchFamily="34" charset="0"/>
+              <a:cs typeface="Times New Roman" panose="02020603050405020304" pitchFamily="18" charset="0"/>
+            </a:endParaRPr>
+          </a:p>
+          <a:p>
+            <a:endParaRPr lang="en-FI" dirty="0"/>
+          </a:p>
+        </p:txBody>
+      </p:sp>
+      <p:sp>
+        <p:nvSpPr>
+          <p:cNvPr id="4" name="Slide Number Placeholder 3"/>
+          <p:cNvSpPr>
+            <a:spLocks noGrp="1"/>
+          </p:cNvSpPr>
+          <p:nvPr>
+            <p:ph type="sldNum" sz="quarter" idx="5"/>
+          </p:nvPr>
+        </p:nvSpPr>
+        <p:spPr/>
+        <p:txBody>
+          <a:bodyPr/>
+          <a:lstStyle/>
+          <a:p>
+            <a:fld id="{EE674A8A-80C3-4387-9329-48E85A23EF7B}" type="slidenum">
+              <a:rPr lang="en-FI" smtClean="0"/>
+              <a:t>2</a:t>
+            </a:fld>
+            <a:endParaRPr lang="en-FI"/>
+          </a:p>
+        </p:txBody>
+      </p:sp>
+    </p:spTree>
+    <p:extLst>
+      <p:ext uri="{BB962C8B-B14F-4D97-AF65-F5344CB8AC3E}">
+        <p14:creationId xmlns:p14="http://schemas.microsoft.com/office/powerpoint/2010/main" val="1674269456"/>
+      </p:ext>
+    </p:extLst>
+  </p:cSld>
+  <p:clrMapOvr>
+    <a:masterClrMapping/>
+  </p:clrMapOvr>
+</p:notes>
+</file>
+
+<file path=ppt/notesSlides/notesSlide2.xml><?xml version="1.0" encoding="utf-8"?>
+<p:notes xmlns:a="http://schemas.openxmlformats.org/drawingml/2006/main" xmlns:r="http://schemas.openxmlformats.org/officeDocument/2006/relationships" xmlns:p="http://schemas.openxmlformats.org/presentationml/2006/main">
+  <p:cSld>
+    <p:spTree>
+      <p:nvGrpSpPr>
+        <p:cNvPr id="1" name=""/>
+        <p:cNvGrpSpPr/>
+        <p:nvPr/>
+      </p:nvGrpSpPr>
+      <p:grpSpPr>
+        <a:xfrm>
+          <a:off x="0" y="0"/>
+          <a:ext cx="0" cy="0"/>
+          <a:chOff x="0" y="0"/>
+          <a:chExt cx="0" cy="0"/>
+        </a:xfrm>
+      </p:grpSpPr>
+      <p:sp>
+        <p:nvSpPr>
+          <p:cNvPr id="2" name="Slide Image Placeholder 1"/>
+          <p:cNvSpPr>
+            <a:spLocks noGrp="1" noRot="1" noChangeAspect="1"/>
+          </p:cNvSpPr>
+          <p:nvPr>
+            <p:ph type="sldImg"/>
+          </p:nvPr>
+        </p:nvSpPr>
+        <p:spPr/>
+      </p:sp>
+      <p:sp>
+        <p:nvSpPr>
+          <p:cNvPr id="3" name="Notes Placeholder 2"/>
+          <p:cNvSpPr>
+            <a:spLocks noGrp="1"/>
+          </p:cNvSpPr>
+          <p:nvPr>
+            <p:ph type="body" idx="1"/>
+          </p:nvPr>
+        </p:nvSpPr>
+        <p:spPr/>
+        <p:txBody>
+          <a:bodyPr/>
+          <a:lstStyle/>
+          <a:p>
+            <a:r>
+              <a:rPr lang="en-US" dirty="0"/>
+              <a:t>Comparison of the toolkits aims to find out what kind of tools to use to which kind of texts. Obviously there are plenty to choose from but choosing is not obvious. What are the aspects that one must consider? Among other aspects, the selection may consider the community of users, frequency of new versions and updates, support, portability, cost of integration, programming language, the number of covered tasks, and, of course, their performance. The study concentrates on default configuration. </a:t>
+            </a:r>
+          </a:p>
+          <a:p>
+            <a:endParaRPr lang="en-US" dirty="0"/>
+          </a:p>
+          <a:p>
+            <a:r>
+              <a:rPr lang="en-US" dirty="0"/>
+              <a:t>2. Is benchmarking twitter sentiment analysis tools. It finds out that the accuracy or performance varies a lot from the average 66-70% accuracy to a low accuracy less than 50%. Study reveals the importance of choosing the tool and what kind of trade offs will be made. </a:t>
+            </a:r>
+          </a:p>
+          <a:p>
+            <a:endParaRPr lang="en-US" dirty="0"/>
+          </a:p>
+          <a:p>
+            <a:r>
+              <a:rPr lang="en-US" dirty="0"/>
+              <a:t>3. How does empath work and what are it’s tradeoffs. </a:t>
+            </a:r>
+          </a:p>
+          <a:p>
+            <a:r>
+              <a:rPr lang="en-US" dirty="0"/>
+              <a:t>4. Not sure if this one is important, but might be</a:t>
+            </a:r>
+          </a:p>
+          <a:p>
+            <a:r>
+              <a:rPr lang="en-US" dirty="0"/>
+              <a:t>This seems to emphasize the importance of knowing the tool you choose for which use case.</a:t>
+            </a:r>
+          </a:p>
+          <a:p>
+            <a:r>
+              <a:rPr lang="en-US" dirty="0"/>
+              <a:t>5. This study aims to find out how do the current tools work on different domains, like software engineering. </a:t>
+            </a:r>
+          </a:p>
+          <a:p>
+            <a:endParaRPr lang="en-FI" dirty="0"/>
+          </a:p>
+        </p:txBody>
+      </p:sp>
+      <p:sp>
+        <p:nvSpPr>
+          <p:cNvPr id="4" name="Slide Number Placeholder 3"/>
+          <p:cNvSpPr>
+            <a:spLocks noGrp="1"/>
+          </p:cNvSpPr>
+          <p:nvPr>
+            <p:ph type="sldNum" sz="quarter" idx="5"/>
+          </p:nvPr>
+        </p:nvSpPr>
+        <p:spPr/>
+        <p:txBody>
+          <a:bodyPr/>
+          <a:lstStyle/>
+          <a:p>
+            <a:fld id="{EE674A8A-80C3-4387-9329-48E85A23EF7B}" type="slidenum">
+              <a:rPr lang="en-FI" smtClean="0"/>
+              <a:t>3</a:t>
+            </a:fld>
+            <a:endParaRPr lang="en-FI"/>
+          </a:p>
+        </p:txBody>
+      </p:sp>
+    </p:spTree>
+    <p:extLst>
+      <p:ext uri="{BB962C8B-B14F-4D97-AF65-F5344CB8AC3E}">
+        <p14:creationId xmlns:p14="http://schemas.microsoft.com/office/powerpoint/2010/main" val="4075549496"/>
+      </p:ext>
+    </p:extLst>
+  </p:cSld>
+  <p:clrMapOvr>
+    <a:masterClrMapping/>
+  </p:clrMapOvr>
+</p:notes>
+</file>
+
 <file path=ppt/slideLayouts/slideLayout1.xml><?xml version="1.0" encoding="utf-8"?>
 <p:sldLayout xmlns:a="http://schemas.openxmlformats.org/drawingml/2006/main" xmlns:r="http://schemas.openxmlformats.org/officeDocument/2006/relationships" xmlns:p="http://schemas.openxmlformats.org/presentationml/2006/main" showMasterSp="0" type="title" preserve="1">
   <p:cSld name="Title Slide">
@@ -3347,7 +3993,7 @@
           <a:p>
             <a:fld id="{9184DA70-C731-4C70-880D-CCD4705E623C}" type="datetime1">
               <a:rPr lang="en-US" smtClean="0"/>
-              <a:t>10/19/2020</a:t>
+              <a:t>10/21/2020</a:t>
             </a:fld>
             <a:endParaRPr lang="en-US" dirty="0"/>
           </a:p>
@@ -3535,7 +4181,7 @@
           <a:p>
             <a:fld id="{B612A279-0833-481D-8C56-F67FD0AC6C50}" type="datetime1">
               <a:rPr lang="en-US" smtClean="0"/>
-              <a:t>10/19/2020</a:t>
+              <a:t>10/21/2020</a:t>
             </a:fld>
             <a:endParaRPr lang="en-US" dirty="0"/>
           </a:p>
@@ -3777,7 +4423,7 @@
           <a:p>
             <a:fld id="{6587DA83-5663-4C9C-B9AA-0B40A3DAFF81}" type="datetime1">
               <a:rPr lang="en-US" smtClean="0"/>
-              <a:t>10/19/2020</a:t>
+              <a:t>10/21/2020</a:t>
             </a:fld>
             <a:endParaRPr lang="en-US" dirty="0"/>
           </a:p>
@@ -3965,7 +4611,7 @@
           <a:p>
             <a:fld id="{4BE1D723-8F53-4F53-90B0-1982A396982E}" type="datetime1">
               <a:rPr lang="en-US" smtClean="0"/>
-              <a:t>10/19/2020</a:t>
+              <a:t>10/21/2020</a:t>
             </a:fld>
             <a:endParaRPr lang="en-US" dirty="0"/>
           </a:p>
@@ -4338,7 +4984,7 @@
           <a:p>
             <a:fld id="{97669AF7-7BEB-44E4-9852-375E34362B5B}" type="datetime1">
               <a:rPr lang="en-US" smtClean="0"/>
-              <a:t>10/19/2020</a:t>
+              <a:t>10/21/2020</a:t>
             </a:fld>
             <a:endParaRPr lang="en-US" dirty="0"/>
           </a:p>
@@ -4593,7 +5239,7 @@
           <a:p>
             <a:fld id="{BAAAC38D-0552-4C82-B593-E6124DFADBE2}" type="datetime1">
               <a:rPr lang="en-US" smtClean="0"/>
-              <a:t>10/19/2020</a:t>
+              <a:t>10/21/2020</a:t>
             </a:fld>
             <a:endParaRPr lang="en-US" dirty="0"/>
           </a:p>
@@ -4990,7 +5636,7 @@
           <a:p>
             <a:fld id="{D9DF0F1C-5577-4ACB-BB62-DF8F3C494C7E}" type="datetime1">
               <a:rPr lang="en-US" smtClean="0"/>
-              <a:t>10/19/2020</a:t>
+              <a:t>10/21/2020</a:t>
             </a:fld>
             <a:endParaRPr lang="en-US" dirty="0"/>
           </a:p>
@@ -5126,7 +5772,7 @@
           <a:p>
             <a:fld id="{1775B394-D9F9-4F0C-B15D-605F45CB9E9F}" type="datetime1">
               <a:rPr lang="en-US" smtClean="0"/>
-              <a:t>10/19/2020</a:t>
+              <a:t>10/21/2020</a:t>
             </a:fld>
             <a:endParaRPr lang="en-US" dirty="0"/>
           </a:p>
@@ -5283,7 +5929,7 @@
           <a:p>
             <a:fld id="{39667345-2558-425A-8533-9BFDBCE15005}" type="datetime1">
               <a:rPr lang="en-US" smtClean="0"/>
-              <a:t>10/19/2020</a:t>
+              <a:t>10/21/2020</a:t>
             </a:fld>
             <a:endParaRPr lang="en-US" dirty="0"/>
           </a:p>
@@ -5612,7 +6258,7 @@
           <a:p>
             <a:fld id="{92BEA474-078D-4E9B-9B14-09A87B19DC46}" type="datetime1">
               <a:rPr lang="en-US" smtClean="0"/>
-              <a:t>10/19/2020</a:t>
+              <a:t>10/21/2020</a:t>
             </a:fld>
             <a:endParaRPr lang="en-US" dirty="0"/>
           </a:p>
@@ -5962,7 +6608,7 @@
           <a:p>
             <a:fld id="{4907D986-8816-4272-A432-0437A28A9828}" type="datetime1">
               <a:rPr lang="en-US" smtClean="0"/>
-              <a:t>10/19/2020</a:t>
+              <a:t>10/21/2020</a:t>
             </a:fld>
             <a:endParaRPr lang="en-US" dirty="0"/>
           </a:p>
@@ -6223,7 +6869,7 @@
           <a:p>
             <a:fld id="{62D6E202-B606-4609-B914-27C9371A1F6D}" type="datetime1">
               <a:rPr lang="en-US" smtClean="0"/>
-              <a:t>10/19/2020</a:t>
+              <a:t>10/21/2020</a:t>
             </a:fld>
             <a:endParaRPr lang="en-US" dirty="0"/>
           </a:p>
@@ -7139,7 +7785,7 @@
           <a:p>
             <a:r>
               <a:rPr lang="en-US" dirty="0"/>
-              <a:t>The goal</a:t>
+              <a:t>Abstract</a:t>
             </a:r>
             <a:endParaRPr lang="en-FI" dirty="0"/>
           </a:p>
@@ -7164,7 +7810,7 @@
         <p:spPr>
           <a:xfrm>
             <a:off x="1097280" y="2108201"/>
-            <a:ext cx="5649749" cy="3760891"/>
+            <a:ext cx="5887735" cy="3760891"/>
           </a:xfrm>
         </p:spPr>
         <p:txBody>
@@ -7189,27 +7835,38 @@
               <a:rPr lang="en-US" dirty="0">
                 <a:effectLst/>
               </a:rPr>
-              <a:t> the sentiment polarity (positive, negative, neutral). We will compare various sentiment analyzers and contrast evidence from individual raters. The tool comparison will be done using SentiStrength as a given tool and NLTK Vader sentiment. We will compar</a:t>
+              <a:t> the sentiment polarity (positive, negative, neutral) of hotel reviews. We will compare SentiStrength and NLTK Vader sentiment analysis tools and contrast evidence from individual raters. </a:t>
+            </a:r>
+          </a:p>
+          <a:p>
+            <a:r>
+              <a:rPr lang="en-US" dirty="0">
+                <a:effectLst/>
+              </a:rPr>
+              <a:t>We will compar</a:t>
             </a:r>
             <a:r>
               <a:rPr lang="en-US" dirty="0"/>
-              <a:t>e how these tools are able to correlate the sentiments of user’s reviews and each other. What are the strengths and weaknesses of those tools and how do they perform overall compared to each other. What kind of categories relate to each review and how do they correlate to positive or negative sentiments. What kind of named entities each review has and how do their presence correlate to the positive or negative sentiments. Finally, we will deep dive into ambiguous class, what do they contain. How does the word count correlate to ambiguousness and what kind of reviews can be cleaned up as ambiguous by comparing the word’s existence in a standard dictionary. </a:t>
+              <a:t>e how these tools are able to correlate the sentiments of user’s reviews. We will study what are the strengths and weaknesses of those tools and how do they perform overall compared to each other. We will analyze what kind of categories relate to each review and how do they correlate to positive or negative sentiments. We will also investigate what kind of named entities each review has and how do their presence correlate to the positive or negative sentiments. </a:t>
+            </a:r>
+          </a:p>
+          <a:p>
+            <a:r>
+              <a:rPr lang="en-US" dirty="0"/>
+              <a:t>Several hypothesis will be tested. Firstly hypothesis on the relation of argumentation on positive and negative sentiments. Secondly we will test hypothesis related to review ambiguity. Are ambiguous reviews shorter or do they have bad readability. </a:t>
             </a:r>
             <a:endParaRPr lang="en-US" dirty="0">
               <a:effectLst/>
             </a:endParaRPr>
           </a:p>
-          <a:p>
-            <a:endParaRPr lang="en-FI" dirty="0"/>
-          </a:p>
         </p:txBody>
       </p:sp>
       <p:pic>
         <p:nvPicPr>
-          <p:cNvPr id="5" name="Picture 4" descr="Diagram&#10;&#10;Description automatically generated">
+          <p:cNvPr id="6" name="Picture 5" descr="Diagram&#10;&#10;Description automatically generated">
             <a:extLst>
               <a:ext uri="{FF2B5EF4-FFF2-40B4-BE49-F238E27FC236}">
-                <a16:creationId xmlns:a16="http://schemas.microsoft.com/office/drawing/2014/main" id="{EF842708-5C39-4773-8813-2092B09B373B}"/>
+                <a16:creationId xmlns:a16="http://schemas.microsoft.com/office/drawing/2014/main" id="{3C9DA945-F0AA-4AB4-B0DE-BC68B055FAE2}"/>
               </a:ext>
             </a:extLst>
           </p:cNvPr>
@@ -7219,7 +7876,7 @@
           <p:nvPr/>
         </p:nvPicPr>
         <p:blipFill>
-          <a:blip r:embed="rId2">
+          <a:blip r:embed="rId3">
             <a:extLst>
               <a:ext uri="{28A0092B-C50C-407E-A947-70E740481C1C}">
                 <a14:useLocalDpi xmlns:a14="http://schemas.microsoft.com/office/drawing/2010/main" val="0"/>
@@ -7232,8 +7889,8 @@
         </p:blipFill>
         <p:spPr>
           <a:xfrm>
-            <a:off x="6985015" y="1737360"/>
-            <a:ext cx="5057775" cy="4295775"/>
+            <a:off x="7154375" y="2007943"/>
+            <a:ext cx="4642672" cy="3943211"/>
           </a:xfrm>
           <a:prstGeom prst="rect">
             <a:avLst/>
@@ -7318,7 +7975,7 @@
         <p:spPr/>
         <p:txBody>
           <a:bodyPr>
-            <a:normAutofit fontScale="70000" lnSpcReduction="20000"/>
+            <a:normAutofit fontScale="47500" lnSpcReduction="20000"/>
           </a:bodyPr>
           <a:lstStyle/>
           <a:p>
@@ -7340,37 +7997,37 @@
           </a:p>
           <a:p>
             <a:endParaRPr lang="en-US" dirty="0">
-              <a:hlinkClick r:id="rId2"/>
+              <a:hlinkClick r:id="rId3"/>
             </a:endParaRPr>
-          </a:p>
-          <a:p>
-            <a:r>
-              <a:rPr lang="en-US" dirty="0">
-                <a:hlinkClick r:id="rId2"/>
-              </a:rPr>
-              <a:t>https://drops.dagstuhl.de/opus/volltexte/2016/6008/pdf/OASIcs-SLATE-2016-3.pdf</a:t>
-            </a:r>
-            <a:r>
-              <a:rPr lang="en-US" dirty="0"/>
-              <a:t> Comparing the Performance of Different NLP Toolkits in Formal and Social Media Text∗ </a:t>
-            </a:r>
           </a:p>
           <a:p>
             <a:r>
               <a:rPr lang="en-US" dirty="0">
                 <a:hlinkClick r:id="rId3"/>
               </a:rPr>
-              <a:t>https://www.researchgate.net/profile/Ammar_Hassan6/publication/273000042_Benchmarking_Twitter_Sentiment_Analysis_Tools/links/54f484d70cf2ba6150634593.pdf</a:t>
-            </a:r>
-            <a:endParaRPr lang="en-US" dirty="0"/>
-          </a:p>
-          <a:p>
-            <a:pPr algn="l"/>
+              <a:t>1. https://drops.dagstuhl.de/opus/volltexte/2016/6008/pdf/OASIcs-SLATE-2016-3.pdf</a:t>
+            </a:r>
+            <a:r>
+              <a:rPr lang="en-US" dirty="0"/>
+              <a:t> Comparing the Performance of Different NLP Toolkits in Formal and Social Media Text∗ </a:t>
+            </a:r>
+          </a:p>
+          <a:p>
             <a:r>
               <a:rPr lang="en-US" dirty="0">
                 <a:hlinkClick r:id="rId4"/>
               </a:rPr>
-              <a:t>https://hci.stanford.edu/publications/2016/ethan/empath-chi-2016.pdf</a:t>
+              <a:t>2. https://www.researchgate.net/profile/Ammar_Hassan6/publication/273000042_Benchmarking_Twitter_Sentiment_Analysis_Tools/links/54f484d70cf2ba6150634593.pdf</a:t>
+            </a:r>
+            <a:endParaRPr lang="en-US" dirty="0"/>
+          </a:p>
+          <a:p>
+            <a:pPr algn="l"/>
+            <a:r>
+              <a:rPr lang="en-US" dirty="0">
+                <a:hlinkClick r:id="rId5"/>
+              </a:rPr>
+              <a:t>3. https://hci.stanford.edu/publications/2016/ethan/empath-chi-2016.pdf</a:t>
             </a:r>
             <a:r>
               <a:rPr lang="en-US" dirty="0"/>
@@ -7396,9 +8053,9 @@
                 </a:solidFill>
                 <a:effectLst/>
                 <a:latin typeface="Roboto"/>
-                <a:hlinkClick r:id="rId5"/>
+                <a:hlinkClick r:id="rId6"/>
               </a:rPr>
-              <a:t>https://www.cs.uic.edu/~liub/publications/kdd04-revSummary.pdf</a:t>
+              <a:t>4. https://www.cs.uic.edu/~liub/publications/kdd04-revSummary.pdf</a:t>
             </a:r>
             <a:r>
               <a:rPr lang="en-US" dirty="0">
@@ -7412,6 +8069,137 @@
             <a:r>
               <a:rPr lang="en-US" dirty="0"/>
               <a:t>Mining and Summarizing Customer Reviews </a:t>
+            </a:r>
+          </a:p>
+          <a:p>
+            <a:r>
+              <a:rPr lang="en-US" dirty="0"/>
+              <a:t>5. </a:t>
+            </a:r>
+            <a:r>
+              <a:rPr lang="en-US" dirty="0">
+                <a:hlinkClick r:id="rId7"/>
+              </a:rPr>
+              <a:t>https://www.win.tue.nl/~aserebre/ICSME2015ERARobbert.pdf</a:t>
+            </a:r>
+            <a:r>
+              <a:rPr lang="en-US" dirty="0"/>
+              <a:t> Choosing your </a:t>
+            </a:r>
+            <a:r>
+              <a:rPr lang="en-US" dirty="0">
+                <a:solidFill>
+                  <a:schemeClr val="tx1"/>
+                </a:solidFill>
+              </a:rPr>
+              <a:t>weapons. O</a:t>
+            </a:r>
+            <a:r>
+              <a:rPr lang="en-US" b="0" i="0" dirty="0">
+                <a:solidFill>
+                  <a:schemeClr val="tx1"/>
+                </a:solidFill>
+                <a:effectLst/>
+                <a:latin typeface="Roboto"/>
+              </a:rPr>
+              <a:t>n Sentiment Analysis Tools for Software Engineering Research and </a:t>
+            </a:r>
+            <a:r>
+              <a:rPr lang="en-US" b="0" i="0" dirty="0">
+                <a:solidFill>
+                  <a:srgbClr val="333333"/>
+                </a:solidFill>
+                <a:effectLst/>
+                <a:latin typeface="Georgia" panose="02040502050405020303" pitchFamily="18" charset="0"/>
+              </a:rPr>
+              <a:t>On negative results when using sentiment analysis tools for software engineering research </a:t>
+            </a:r>
+            <a:r>
+              <a:rPr lang="en-US" b="0" i="0" dirty="0">
+                <a:solidFill>
+                  <a:srgbClr val="333333"/>
+                </a:solidFill>
+                <a:effectLst/>
+                <a:latin typeface="Georgia" panose="02040502050405020303" pitchFamily="18" charset="0"/>
+                <a:hlinkClick r:id="rId8"/>
+              </a:rPr>
+              <a:t>https://link.springer.com/article/10.1007/s10664-016-9493-x</a:t>
+            </a:r>
+            <a:endParaRPr lang="en-US" b="0" i="0" dirty="0">
+              <a:solidFill>
+                <a:srgbClr val="333333"/>
+              </a:solidFill>
+              <a:effectLst/>
+              <a:latin typeface="Georgia" panose="02040502050405020303" pitchFamily="18" charset="0"/>
+            </a:endParaRPr>
+          </a:p>
+          <a:p>
+            <a:r>
+              <a:rPr lang="en-US" dirty="0">
+                <a:solidFill>
+                  <a:srgbClr val="333333"/>
+                </a:solidFill>
+                <a:latin typeface="Georgia" panose="02040502050405020303" pitchFamily="18" charset="0"/>
+              </a:rPr>
+              <a:t>6. </a:t>
+            </a:r>
+            <a:r>
+              <a:rPr lang="en-US" dirty="0">
+                <a:solidFill>
+                  <a:srgbClr val="333333"/>
+                </a:solidFill>
+                <a:latin typeface="Georgia" panose="02040502050405020303" pitchFamily="18" charset="0"/>
+                <a:hlinkClick r:id="rId9"/>
+              </a:rPr>
+              <a:t>http://www.lrec-conf.org/proceedings/lrec2012/workshops/21.LREC2012%20NLP4UGC%20Proceedings.pdf#page=20</a:t>
+            </a:r>
+            <a:r>
+              <a:rPr lang="en-US" dirty="0">
+                <a:solidFill>
+                  <a:srgbClr val="333333"/>
+                </a:solidFill>
+                <a:latin typeface="Georgia" panose="02040502050405020303" pitchFamily="18" charset="0"/>
+              </a:rPr>
+              <a:t> </a:t>
+            </a:r>
+            <a:r>
+              <a:rPr lang="en-US" dirty="0"/>
+              <a:t>Challenges in developing opinion mining tools for social media</a:t>
+            </a:r>
+            <a:endParaRPr lang="en-US" b="0" i="0" dirty="0">
+              <a:solidFill>
+                <a:srgbClr val="333333"/>
+              </a:solidFill>
+              <a:effectLst/>
+              <a:latin typeface="Georgia" panose="02040502050405020303" pitchFamily="18" charset="0"/>
+            </a:endParaRPr>
+          </a:p>
+          <a:p>
+            <a:pPr algn="l"/>
+            <a:r>
+              <a:rPr lang="en-US" dirty="0">
+                <a:solidFill>
+                  <a:schemeClr val="tx1"/>
+                </a:solidFill>
+              </a:rPr>
+              <a:t>7. </a:t>
+            </a:r>
+            <a:r>
+              <a:rPr lang="en-US" dirty="0">
+                <a:solidFill>
+                  <a:schemeClr val="tx1"/>
+                </a:solidFill>
+                <a:hlinkClick r:id="rId10"/>
+              </a:rPr>
+              <a:t>https://books.google.fi/books?hl=fi&amp;lr=&amp;id=v0UBEAAAQBAJ&amp;oi=fnd&amp;pg=PR11&amp;dq=sentiment+analysis+research+papers+2020&amp;ots=UfD_z38JxN&amp;sig=M0Elv2d3siwkAmMjnz-mX9J_juU&amp;redir_esc=y#v=onepage&amp;q=sentiment%20analysis%20research%20papers%202020&amp;f=false</a:t>
+            </a:r>
+            <a:r>
+              <a:rPr lang="en-US" dirty="0">
+                <a:solidFill>
+                  <a:schemeClr val="tx1"/>
+                </a:solidFill>
+              </a:rPr>
+              <a:t> Sentiment analysis </a:t>
             </a:r>
           </a:p>
           <a:p>
@@ -7518,7 +8306,9 @@
         </p:nvSpPr>
         <p:spPr/>
         <p:txBody>
-          <a:bodyPr/>
+          <a:bodyPr>
+            <a:normAutofit/>
+          </a:bodyPr>
           <a:lstStyle/>
           <a:p>
             <a:r>
@@ -7528,7 +8318,7 @@
                 </a:solidFill>
                 <a:latin typeface="Arial" panose="020B0604020202020204" pitchFamily="34" charset="0"/>
               </a:rPr>
-              <a:t>Using SentiStrength for polarity (positive, negative, neutral)</a:t>
+              <a:t>Getting to know different tools </a:t>
             </a:r>
           </a:p>
           <a:p>
@@ -7539,17 +8329,10 @@
                 </a:solidFill>
                 <a:latin typeface="Arial" panose="020B0604020202020204" pitchFamily="34" charset="0"/>
               </a:rPr>
-              <a:t>Using AWS Comprehend to </a:t>
-            </a:r>
-            <a:r>
-              <a:rPr lang="en-US" sz="2000" b="0" i="0" u="none" strike="noStrike" baseline="0" dirty="0" err="1">
-                <a:solidFill>
-                  <a:srgbClr val="000000"/>
-                </a:solidFill>
-                <a:latin typeface="Arial" panose="020B0604020202020204" pitchFamily="34" charset="0"/>
-              </a:rPr>
-              <a:t>analyse</a:t>
-            </a:r>
+              <a:t>Sentiment analysis</a:t>
+            </a:r>
+          </a:p>
+          <a:p>
             <a:r>
               <a:rPr lang="en-US" sz="2000" b="0" i="0" u="none" strike="noStrike" baseline="0" dirty="0">
                 <a:solidFill>
@@ -7557,7 +8340,7 @@
                 </a:solidFill>
                 <a:latin typeface="Arial" panose="020B0604020202020204" pitchFamily="34" charset="0"/>
               </a:rPr>
-              <a:t> the data</a:t>
+              <a:t>Categories </a:t>
             </a:r>
           </a:p>
           <a:p>
@@ -7568,8 +8351,14 @@
                 </a:solidFill>
                 <a:latin typeface="Arial" panose="020B0604020202020204" pitchFamily="34" charset="0"/>
               </a:rPr>
-              <a:t>Using NLTK Vader for polarity</a:t>
-            </a:r>
+              <a:t>Named entities</a:t>
+            </a:r>
+            <a:endParaRPr lang="en-US" sz="2000" b="0" i="0" u="none" strike="noStrike" baseline="0" dirty="0">
+              <a:solidFill>
+                <a:srgbClr val="000000"/>
+              </a:solidFill>
+              <a:latin typeface="Arial" panose="020B0604020202020204" pitchFamily="34" charset="0"/>
+            </a:endParaRPr>
           </a:p>
           <a:p>
             <a:r>
@@ -7579,34 +8368,8 @@
                 </a:solidFill>
                 <a:latin typeface="Arial" panose="020B0604020202020204" pitchFamily="34" charset="0"/>
               </a:rPr>
-              <a:t>Empath client and named entity tagging tools using python</a:t>
-            </a:r>
-          </a:p>
-          <a:p>
-            <a:r>
-              <a:rPr lang="en-US" sz="2000" b="0" i="0" u="none" strike="noStrike" baseline="0" dirty="0">
-                <a:solidFill>
-                  <a:srgbClr val="000000"/>
-                </a:solidFill>
-                <a:latin typeface="Arial" panose="020B0604020202020204" pitchFamily="34" charset="0"/>
-              </a:rPr>
-              <a:t>Data </a:t>
-            </a:r>
-            <a:r>
-              <a:rPr lang="en-US" sz="2000" b="0" i="0" u="none" strike="noStrike" baseline="0" dirty="0" err="1">
-                <a:solidFill>
-                  <a:srgbClr val="000000"/>
-                </a:solidFill>
-                <a:latin typeface="Arial" panose="020B0604020202020204" pitchFamily="34" charset="0"/>
-              </a:rPr>
-              <a:t>visualisation</a:t>
-            </a:r>
-            <a:endParaRPr lang="en-US" sz="2000" b="0" i="0" u="none" strike="noStrike" baseline="0" dirty="0">
-              <a:solidFill>
-                <a:srgbClr val="000000"/>
-              </a:solidFill>
-              <a:latin typeface="Arial" panose="020B0604020202020204" pitchFamily="34" charset="0"/>
-            </a:endParaRPr>
+              <a:t>Data visualization</a:t>
+            </a:r>
           </a:p>
           <a:p>
             <a:endParaRPr lang="en-US" sz="2000" b="0" i="0" u="none" strike="noStrike" baseline="0" dirty="0">
@@ -7699,7 +8462,7 @@
         <p:spPr/>
         <p:txBody>
           <a:bodyPr>
-            <a:normAutofit fontScale="85000" lnSpcReduction="20000"/>
+            <a:normAutofit fontScale="62500" lnSpcReduction="20000"/>
           </a:bodyPr>
           <a:lstStyle/>
           <a:p>
@@ -7714,7 +8477,10 @@
               <a:rPr lang="en-US" dirty="0" err="1"/>
               <a:t>Miika</a:t>
             </a:r>
-            <a:endParaRPr lang="en-US" dirty="0"/>
+            <a:r>
+              <a:rPr lang="en-US" dirty="0"/>
+              <a:t>: Team lead, Data visualization, GUI, SentiStrength</a:t>
+            </a:r>
           </a:p>
           <a:p>
             <a:pPr lvl="1"/>
@@ -7724,14 +8490,22 @@
             </a:r>
             <a:r>
               <a:rPr lang="en-US" dirty="0"/>
-              <a:t> </a:t>
+              <a:t> NLTK Vader, </a:t>
+            </a:r>
+            <a:r>
+              <a:rPr lang="en-US" dirty="0" err="1"/>
+              <a:t>Textblob</a:t>
+            </a:r>
+            <a:r>
+              <a:rPr lang="en-US" dirty="0"/>
+              <a:t>, empath categories,</a:t>
             </a:r>
           </a:p>
           <a:p>
             <a:pPr lvl="1"/>
             <a:r>
               <a:rPr lang="en-US" dirty="0"/>
-              <a:t>Pilvi</a:t>
+              <a:t>Pilvi: Named entities, prior work investigation, AWS Comprehend</a:t>
             </a:r>
           </a:p>
           <a:p>
@@ -7757,13 +8531,16 @@
             <a:pPr lvl="1"/>
             <a:r>
               <a:rPr lang="en-US" dirty="0"/>
-              <a:t>Python </a:t>
+              <a:t>WordNet or </a:t>
             </a:r>
             <a:r>
               <a:rPr lang="en-US" dirty="0" err="1"/>
-              <a:t>nltk.downloads</a:t>
-            </a:r>
-            <a:endParaRPr lang="en-US" dirty="0"/>
+              <a:t>Merrium</a:t>
+            </a:r>
+            <a:r>
+              <a:rPr lang="en-US" dirty="0"/>
+              <a:t> dictionary</a:t>
+            </a:r>
           </a:p>
           <a:p>
             <a:r>
@@ -7810,9 +8587,41 @@
           <a:p>
             <a:pPr lvl="1"/>
             <a:r>
+              <a:rPr lang="en-US" dirty="0" err="1"/>
+              <a:t>Textblob</a:t>
+            </a:r>
+            <a:endParaRPr lang="en-US" dirty="0"/>
+          </a:p>
+          <a:p>
+            <a:pPr lvl="1"/>
+            <a:r>
+              <a:rPr lang="en-US" dirty="0"/>
+              <a:t>Empath client</a:t>
+            </a:r>
+          </a:p>
+          <a:p>
+            <a:pPr lvl="1"/>
+            <a:r>
               <a:rPr lang="en-US" dirty="0"/>
               <a:t>QT (GUI)</a:t>
             </a:r>
+          </a:p>
+          <a:p>
+            <a:pPr lvl="1"/>
+            <a:r>
+              <a:rPr lang="en-US" dirty="0" err="1"/>
+              <a:t>Textstat</a:t>
+            </a:r>
+            <a:r>
+              <a:rPr lang="en-US" dirty="0"/>
+              <a:t> library</a:t>
+            </a:r>
+          </a:p>
+          <a:p>
+            <a:pPr marL="201168" lvl="1" indent="0">
+              <a:buNone/>
+            </a:pPr>
+            <a:endParaRPr lang="en-US" dirty="0"/>
           </a:p>
           <a:p>
             <a:pPr lvl="1"/>
@@ -7908,7 +8717,25 @@
           <a:p>
             <a:r>
               <a:rPr lang="en-US" dirty="0"/>
-              <a:t>AWS Comprehend seems to require AWS Glue and AWS Athena for data management. Getting expensive with the amount of data so far. </a:t>
+              <a:t>Tools have been investigated</a:t>
+            </a:r>
+          </a:p>
+          <a:p>
+            <a:r>
+              <a:rPr lang="en-US" dirty="0"/>
+              <a:t>Database and workflows have been designed</a:t>
+            </a:r>
+          </a:p>
+          <a:p>
+            <a:r>
+              <a:rPr lang="en-US" dirty="0"/>
+              <a:t>Scripts are in GIT ready to be used for further analysis</a:t>
+            </a:r>
+          </a:p>
+          <a:p>
+            <a:r>
+              <a:rPr lang="en-US" dirty="0"/>
+              <a:t> </a:t>
             </a:r>
           </a:p>
           <a:p>
@@ -7995,7 +8822,7 @@
             <p:ph idx="1"/>
             <p:extLst>
               <p:ext uri="{D42A27DB-BD31-4B8C-83A1-F6EECF244321}">
-                <p14:modId xmlns:p14="http://schemas.microsoft.com/office/powerpoint/2010/main" val="3918664310"/>
+                <p14:modId xmlns:p14="http://schemas.microsoft.com/office/powerpoint/2010/main" val="2743892035"/>
               </p:ext>
             </p:extLst>
           </p:nvPr>
@@ -8164,390 +8991,6 @@
     <p:extLst>
       <p:ext uri="{BB962C8B-B14F-4D97-AF65-F5344CB8AC3E}">
         <p14:creationId xmlns:p14="http://schemas.microsoft.com/office/powerpoint/2010/main" val="1374883248"/>
-      </p:ext>
-    </p:extLst>
-  </p:cSld>
-  <p:clrMapOvr>
-    <a:masterClrMapping/>
-  </p:clrMapOvr>
-</p:sld>
-</file>
-
-<file path=ppt/slides/slide8.xml><?xml version="1.0" encoding="utf-8"?>
-<p:sld xmlns:a="http://schemas.openxmlformats.org/drawingml/2006/main" xmlns:r="http://schemas.openxmlformats.org/officeDocument/2006/relationships" xmlns:p="http://schemas.openxmlformats.org/presentationml/2006/main">
-  <p:cSld>
-    <p:spTree>
-      <p:nvGrpSpPr>
-        <p:cNvPr id="1" name=""/>
-        <p:cNvGrpSpPr/>
-        <p:nvPr/>
-      </p:nvGrpSpPr>
-      <p:grpSpPr>
-        <a:xfrm>
-          <a:off x="0" y="0"/>
-          <a:ext cx="0" cy="0"/>
-          <a:chOff x="0" y="0"/>
-          <a:chExt cx="0" cy="0"/>
-        </a:xfrm>
-      </p:grpSpPr>
-      <p:sp>
-        <p:nvSpPr>
-          <p:cNvPr id="2" name="Title 1">
-            <a:extLst>
-              <a:ext uri="{FF2B5EF4-FFF2-40B4-BE49-F238E27FC236}">
-                <a16:creationId xmlns:a16="http://schemas.microsoft.com/office/drawing/2014/main" id="{0A873651-A3A7-4F94-855C-C47F9A69A02A}"/>
-              </a:ext>
-            </a:extLst>
-          </p:cNvPr>
-          <p:cNvSpPr>
-            <a:spLocks noGrp="1"/>
-          </p:cNvSpPr>
-          <p:nvPr>
-            <p:ph type="title"/>
-          </p:nvPr>
-        </p:nvSpPr>
-        <p:spPr/>
-        <p:txBody>
-          <a:bodyPr/>
-          <a:lstStyle/>
-          <a:p>
-            <a:r>
-              <a:rPr lang="en-US" dirty="0"/>
-              <a:t>questions</a:t>
-            </a:r>
-            <a:endParaRPr lang="en-FI" dirty="0"/>
-          </a:p>
-        </p:txBody>
-      </p:sp>
-      <p:sp>
-        <p:nvSpPr>
-          <p:cNvPr id="3" name="Content Placeholder 2">
-            <a:extLst>
-              <a:ext uri="{FF2B5EF4-FFF2-40B4-BE49-F238E27FC236}">
-                <a16:creationId xmlns:a16="http://schemas.microsoft.com/office/drawing/2014/main" id="{02C7638E-2175-4402-B3C1-981ADF5AAD1E}"/>
-              </a:ext>
-            </a:extLst>
-          </p:cNvPr>
-          <p:cNvSpPr>
-            <a:spLocks noGrp="1"/>
-          </p:cNvSpPr>
-          <p:nvPr>
-            <p:ph idx="1"/>
-          </p:nvPr>
-        </p:nvSpPr>
-        <p:spPr/>
-        <p:txBody>
-          <a:bodyPr/>
-          <a:lstStyle/>
-          <a:p>
-            <a:r>
-              <a:rPr lang="en-US" dirty="0"/>
-              <a:t>How are the models trained? Are they applicable for hotel reviews (</a:t>
-            </a:r>
-            <a:r>
-              <a:rPr lang="en-US" dirty="0">
-                <a:hlinkClick r:id="rId2"/>
-              </a:rPr>
-              <a:t>https://www.win.tue.nl/~aserebre/ICSME2015ERARobbert.pdf</a:t>
-            </a:r>
-            <a:r>
-              <a:rPr lang="en-US" dirty="0"/>
-              <a:t> study of using </a:t>
-            </a:r>
-            <a:r>
-              <a:rPr lang="en-US" dirty="0" err="1"/>
-              <a:t>sentistrength</a:t>
-            </a:r>
-            <a:r>
-              <a:rPr lang="en-US" dirty="0"/>
-              <a:t> and </a:t>
-            </a:r>
-            <a:r>
-              <a:rPr lang="en-US" dirty="0" err="1"/>
-              <a:t>nltk</a:t>
-            </a:r>
-            <a:r>
-              <a:rPr lang="en-US" dirty="0"/>
-              <a:t> to software engineering sentiment analysis)</a:t>
-            </a:r>
-          </a:p>
-          <a:p>
-            <a:r>
-              <a:rPr lang="en-US" dirty="0"/>
-              <a:t>Do the tools agree on the results? </a:t>
-            </a:r>
-            <a:endParaRPr lang="en-FI" dirty="0"/>
-          </a:p>
-        </p:txBody>
-      </p:sp>
-    </p:spTree>
-    <p:extLst>
-      <p:ext uri="{BB962C8B-B14F-4D97-AF65-F5344CB8AC3E}">
-        <p14:creationId xmlns:p14="http://schemas.microsoft.com/office/powerpoint/2010/main" val="296253349"/>
-      </p:ext>
-    </p:extLst>
-  </p:cSld>
-  <p:clrMapOvr>
-    <a:masterClrMapping/>
-  </p:clrMapOvr>
-</p:sld>
-</file>
-
-<file path=ppt/slides/slide9.xml><?xml version="1.0" encoding="utf-8"?>
-<p:sld xmlns:a="http://schemas.openxmlformats.org/drawingml/2006/main" xmlns:r="http://schemas.openxmlformats.org/officeDocument/2006/relationships" xmlns:p="http://schemas.openxmlformats.org/presentationml/2006/main">
-  <p:cSld>
-    <p:spTree>
-      <p:nvGrpSpPr>
-        <p:cNvPr id="1" name=""/>
-        <p:cNvGrpSpPr/>
-        <p:nvPr/>
-      </p:nvGrpSpPr>
-      <p:grpSpPr>
-        <a:xfrm>
-          <a:off x="0" y="0"/>
-          <a:ext cx="0" cy="0"/>
-          <a:chOff x="0" y="0"/>
-          <a:chExt cx="0" cy="0"/>
-        </a:xfrm>
-      </p:grpSpPr>
-      <p:sp>
-        <p:nvSpPr>
-          <p:cNvPr id="2" name="Title 1">
-            <a:extLst>
-              <a:ext uri="{FF2B5EF4-FFF2-40B4-BE49-F238E27FC236}">
-                <a16:creationId xmlns:a16="http://schemas.microsoft.com/office/drawing/2014/main" id="{B84266B0-3222-411C-A821-329B790F9169}"/>
-              </a:ext>
-            </a:extLst>
-          </p:cNvPr>
-          <p:cNvSpPr>
-            <a:spLocks noGrp="1"/>
-          </p:cNvSpPr>
-          <p:nvPr>
-            <p:ph type="title"/>
-          </p:nvPr>
-        </p:nvSpPr>
-        <p:spPr/>
-        <p:txBody>
-          <a:bodyPr/>
-          <a:lstStyle/>
-          <a:p>
-            <a:r>
-              <a:rPr lang="en-US" dirty="0" err="1"/>
-              <a:t>Jutellaan</a:t>
-            </a:r>
-            <a:r>
-              <a:rPr lang="en-US" dirty="0"/>
-              <a:t> </a:t>
-            </a:r>
-            <a:r>
-              <a:rPr lang="en-US" dirty="0" err="1"/>
-              <a:t>tästä</a:t>
-            </a:r>
-            <a:r>
-              <a:rPr lang="en-US" dirty="0"/>
-              <a:t> </a:t>
-            </a:r>
-            <a:r>
-              <a:rPr lang="en-US" dirty="0" err="1"/>
-              <a:t>huomenna</a:t>
-            </a:r>
-            <a:endParaRPr lang="en-FI" dirty="0"/>
-          </a:p>
-        </p:txBody>
-      </p:sp>
-      <p:sp>
-        <p:nvSpPr>
-          <p:cNvPr id="3" name="Content Placeholder 2">
-            <a:extLst>
-              <a:ext uri="{FF2B5EF4-FFF2-40B4-BE49-F238E27FC236}">
-                <a16:creationId xmlns:a16="http://schemas.microsoft.com/office/drawing/2014/main" id="{7AF1F5F7-9BFD-4E44-AD65-725EAD7011D4}"/>
-              </a:ext>
-            </a:extLst>
-          </p:cNvPr>
-          <p:cNvSpPr>
-            <a:spLocks noGrp="1"/>
-          </p:cNvSpPr>
-          <p:nvPr>
-            <p:ph idx="1"/>
-          </p:nvPr>
-        </p:nvSpPr>
-        <p:spPr/>
-        <p:txBody>
-          <a:bodyPr>
-            <a:normAutofit fontScale="85000" lnSpcReduction="10000"/>
-          </a:bodyPr>
-          <a:lstStyle/>
-          <a:p>
-            <a:pPr marR="0" algn="l" rtl="0"/>
-            <a:r>
-              <a:rPr lang="en-US" sz="1800" b="0" i="0" u="none" strike="noStrike" dirty="0">
-                <a:solidFill>
-                  <a:srgbClr val="000000"/>
-                </a:solidFill>
-                <a:latin typeface="Lucida Sans" panose="020B0602030504020204" pitchFamily="34" charset="0"/>
-              </a:rPr>
-              <a:t>Measurement criteria are essential</a:t>
-            </a:r>
-            <a:endParaRPr lang="en-US" sz="1800" b="0" i="0" u="none" strike="noStrike" dirty="0">
-              <a:solidFill>
-                <a:srgbClr val="000000"/>
-              </a:solidFill>
-              <a:latin typeface="Arial" panose="020B0604020202020204" pitchFamily="34" charset="0"/>
-            </a:endParaRPr>
-          </a:p>
-          <a:p>
-            <a:pPr marR="0" algn="l" rtl="0"/>
-            <a:r>
-              <a:rPr lang="en-US" sz="1800" b="0" i="0" u="none" strike="noStrike" baseline="0" dirty="0">
-                <a:solidFill>
-                  <a:srgbClr val="000000"/>
-                </a:solidFill>
-                <a:latin typeface="Lucida Sans" panose="020B0602030504020204" pitchFamily="34" charset="0"/>
-              </a:rPr>
-              <a:t>Creating a cool application is great but not sufficient – you </a:t>
-            </a:r>
-            <a:r>
-              <a:rPr lang="en-US" sz="1800" b="0" i="0" u="none" strike="noStrike" baseline="0" dirty="0">
-                <a:solidFill>
-                  <a:srgbClr val="000000"/>
-                </a:solidFill>
-                <a:latin typeface="Arial" panose="020B0604020202020204" pitchFamily="34" charset="0"/>
-              </a:rPr>
-              <a:t>also need a predetermined standard for evaluating the success or failure of your work. So, keep in mind to bring motivation ground when writing your report</a:t>
-            </a:r>
-          </a:p>
-          <a:p>
-            <a:pPr marR="0" algn="l" rtl="0"/>
-            <a:r>
-              <a:rPr lang="en-US" sz="1800" b="0" i="0" u="none" strike="noStrike" baseline="0" dirty="0">
-                <a:solidFill>
-                  <a:srgbClr val="000000"/>
-                </a:solidFill>
-                <a:latin typeface="Lucida Sans" panose="020B0602030504020204" pitchFamily="34" charset="0"/>
-              </a:rPr>
-              <a:t>Some kind of scientific numerical analysis of your </a:t>
-            </a:r>
-            <a:r>
-              <a:rPr lang="en-US" sz="1800" b="0" i="0" u="none" strike="noStrike" baseline="0" dirty="0">
-                <a:solidFill>
-                  <a:srgbClr val="000000"/>
-                </a:solidFill>
-                <a:latin typeface="Arial" panose="020B0604020202020204" pitchFamily="34" charset="0"/>
-              </a:rPr>
-              <a:t> system’s performance in comparison to a baseline  or rival system:</a:t>
-            </a:r>
-          </a:p>
-          <a:p>
-            <a:pPr marR="0" algn="l" rtl="0"/>
-            <a:r>
-              <a:rPr lang="en-US" sz="1800" b="0" i="0" u="none" strike="noStrike" baseline="0" dirty="0">
-                <a:solidFill>
-                  <a:srgbClr val="000000"/>
-                </a:solidFill>
-                <a:latin typeface="Lucida Sans" panose="020B0602030504020204" pitchFamily="34" charset="0"/>
-              </a:rPr>
-              <a:t>precision/recall</a:t>
-            </a:r>
-            <a:endParaRPr lang="en-US" sz="1800" b="0" i="0" u="none" strike="noStrike" baseline="0" dirty="0">
-              <a:solidFill>
-                <a:srgbClr val="000000"/>
-              </a:solidFill>
-              <a:latin typeface="Arial" panose="020B0604020202020204" pitchFamily="34" charset="0"/>
-            </a:endParaRPr>
-          </a:p>
-          <a:p>
-            <a:pPr marR="0" algn="l" rtl="0"/>
-            <a:r>
-              <a:rPr lang="en-US" sz="1800" b="0" i="0" u="none" strike="noStrike" baseline="0" dirty="0">
-                <a:solidFill>
-                  <a:srgbClr val="000000"/>
-                </a:solidFill>
-                <a:latin typeface="Lucida Sans" panose="020B0602030504020204" pitchFamily="34" charset="0"/>
-              </a:rPr>
-              <a:t>user satisfaction ratings</a:t>
-            </a:r>
-            <a:endParaRPr lang="en-US" sz="1800" b="0" i="0" u="none" strike="noStrike" baseline="0" dirty="0">
-              <a:solidFill>
-                <a:srgbClr val="000000"/>
-              </a:solidFill>
-              <a:latin typeface="Arial" panose="020B0604020202020204" pitchFamily="34" charset="0"/>
-            </a:endParaRPr>
-          </a:p>
-          <a:p>
-            <a:pPr marR="0" algn="l" rtl="0"/>
-            <a:r>
-              <a:rPr lang="en-US" sz="1800" b="0" i="0" u="none" strike="noStrike" baseline="0" dirty="0">
-                <a:solidFill>
-                  <a:srgbClr val="000000"/>
-                </a:solidFill>
-                <a:latin typeface="Lucida Sans" panose="020B0602030504020204" pitchFamily="34" charset="0"/>
-              </a:rPr>
-              <a:t>correlation or mean squared error (if you’re predicting </a:t>
-            </a:r>
-            <a:r>
-              <a:rPr lang="en-US" sz="1800" b="0" i="0" u="none" strike="noStrike" baseline="0" dirty="0">
-                <a:solidFill>
-                  <a:srgbClr val="000000"/>
-                </a:solidFill>
-                <a:latin typeface="Arial" panose="020B0604020202020204" pitchFamily="34" charset="0"/>
-              </a:rPr>
-              <a:t> values)</a:t>
-            </a:r>
-          </a:p>
-          <a:p>
-            <a:pPr marR="0" algn="l" rtl="0"/>
-            <a:r>
-              <a:rPr lang="en-US" sz="1800" b="0" i="0" u="none" strike="noStrike" baseline="0" dirty="0">
-                <a:solidFill>
-                  <a:srgbClr val="000000"/>
-                </a:solidFill>
-                <a:latin typeface="Lucida Sans" panose="020B0602030504020204" pitchFamily="34" charset="0"/>
-              </a:rPr>
-              <a:t>processing time, main memory requirements, disk space</a:t>
-            </a:r>
-            <a:endParaRPr lang="en-US" sz="1800" b="0" i="0" u="none" strike="noStrike" baseline="0" dirty="0">
-              <a:solidFill>
-                <a:srgbClr val="000000"/>
-              </a:solidFill>
-              <a:latin typeface="Arial" panose="020B0604020202020204" pitchFamily="34" charset="0"/>
-            </a:endParaRPr>
-          </a:p>
-          <a:p>
-            <a:pPr marR="0" algn="l" rtl="0"/>
-            <a:r>
-              <a:rPr lang="en-US" sz="1800" b="0" i="0" u="none" strike="noStrike" baseline="0" dirty="0">
-                <a:solidFill>
-                  <a:srgbClr val="000000"/>
-                </a:solidFill>
-                <a:latin typeface="Lucida Sans" panose="020B0602030504020204" pitchFamily="34" charset="0"/>
-              </a:rPr>
-              <a:t> </a:t>
-            </a:r>
-            <a:r>
-              <a:rPr lang="en-US" sz="1800" b="0" i="0" u="none" strike="noStrike" baseline="0" dirty="0" err="1">
-                <a:solidFill>
-                  <a:srgbClr val="000000"/>
-                </a:solidFill>
-                <a:latin typeface="Lucida Sans" panose="020B0602030504020204" pitchFamily="34" charset="0"/>
-              </a:rPr>
-              <a:t>Etc</a:t>
-            </a:r>
-            <a:endParaRPr lang="en-US" sz="1800" b="0" i="0" u="none" strike="noStrike" baseline="0" dirty="0">
-              <a:solidFill>
-                <a:srgbClr val="000000"/>
-              </a:solidFill>
-              <a:latin typeface="Arial" panose="020B0604020202020204" pitchFamily="34" charset="0"/>
-            </a:endParaRPr>
-          </a:p>
-          <a:p>
-            <a:endParaRPr lang="en-FI" dirty="0"/>
-          </a:p>
-        </p:txBody>
-      </p:sp>
-    </p:spTree>
-    <p:extLst>
-      <p:ext uri="{BB962C8B-B14F-4D97-AF65-F5344CB8AC3E}">
-        <p14:creationId xmlns:p14="http://schemas.microsoft.com/office/powerpoint/2010/main" val="152934541"/>
       </p:ext>
     </p:extLst>
   </p:cSld>
@@ -8838,4 +9281,299 @@
     </a:ext>
   </a:extLst>
 </a:theme>
+</file>
+
+<file path=ppt/theme/theme2.xml><?xml version="1.0" encoding="utf-8"?>
+<a:theme xmlns:a="http://schemas.openxmlformats.org/drawingml/2006/main" name="Office Theme">
+  <a:themeElements>
+    <a:clrScheme name="Office">
+      <a:dk1>
+        <a:sysClr val="windowText" lastClr="000000"/>
+      </a:dk1>
+      <a:lt1>
+        <a:sysClr val="window" lastClr="FFFFFF"/>
+      </a:lt1>
+      <a:dk2>
+        <a:srgbClr val="44546A"/>
+      </a:dk2>
+      <a:lt2>
+        <a:srgbClr val="E7E6E6"/>
+      </a:lt2>
+      <a:accent1>
+        <a:srgbClr val="4472C4"/>
+      </a:accent1>
+      <a:accent2>
+        <a:srgbClr val="ED7D31"/>
+      </a:accent2>
+      <a:accent3>
+        <a:srgbClr val="A5A5A5"/>
+      </a:accent3>
+      <a:accent4>
+        <a:srgbClr val="FFC000"/>
+      </a:accent4>
+      <a:accent5>
+        <a:srgbClr val="5B9BD5"/>
+      </a:accent5>
+      <a:accent6>
+        <a:srgbClr val="70AD47"/>
+      </a:accent6>
+      <a:hlink>
+        <a:srgbClr val="0563C1"/>
+      </a:hlink>
+      <a:folHlink>
+        <a:srgbClr val="954F72"/>
+      </a:folHlink>
+    </a:clrScheme>
+    <a:fontScheme name="Office">
+      <a:majorFont>
+        <a:latin typeface="Calibri Light" panose="020F0302020204030204"/>
+        <a:ea typeface=""/>
+        <a:cs typeface=""/>
+        <a:font script="Jpan" typeface="游ゴシック Light"/>
+        <a:font script="Hang" typeface="맑은 고딕"/>
+        <a:font script="Hans" typeface="等线 Light"/>
+        <a:font script="Hant" typeface="新細明體"/>
+        <a:font script="Arab" typeface="Times New Roman"/>
+        <a:font script="Hebr" typeface="Times New Roman"/>
+        <a:font script="Thai" typeface="Angsana New"/>
+        <a:font script="Ethi" typeface="Nyala"/>
+        <a:font script="Beng" typeface="Vrinda"/>
+        <a:font script="Gujr" typeface="Shruti"/>
+        <a:font script="Khmr" typeface="MoolBoran"/>
+        <a:font script="Knda" typeface="Tunga"/>
+        <a:font script="Guru" typeface="Raavi"/>
+        <a:font script="Cans" typeface="Euphemia"/>
+        <a:font script="Cher" typeface="Plantagenet Cherokee"/>
+        <a:font script="Yiii" typeface="Microsoft Yi Baiti"/>
+        <a:font script="Tibt" typeface="Microsoft Himalaya"/>
+        <a:font script="Thaa" typeface="MV Boli"/>
+        <a:font script="Deva" typeface="Mangal"/>
+        <a:font script="Telu" typeface="Gautami"/>
+        <a:font script="Taml" typeface="Latha"/>
+        <a:font script="Syrc" typeface="Estrangelo Edessa"/>
+        <a:font script="Orya" typeface="Kalinga"/>
+        <a:font script="Mlym" typeface="Kartika"/>
+        <a:font script="Laoo" typeface="DokChampa"/>
+        <a:font script="Sinh" typeface="Iskoola Pota"/>
+        <a:font script="Mong" typeface="Mongolian Baiti"/>
+        <a:font script="Viet" typeface="Times New Roman"/>
+        <a:font script="Uigh" typeface="Microsoft Uighur"/>
+        <a:font script="Geor" typeface="Sylfaen"/>
+        <a:font script="Armn" typeface="Arial"/>
+        <a:font script="Bugi" typeface="Leelawadee UI"/>
+        <a:font script="Bopo" typeface="Microsoft JhengHei"/>
+        <a:font script="Java" typeface="Javanese Text"/>
+        <a:font script="Lisu" typeface="Segoe UI"/>
+        <a:font script="Mymr" typeface="Myanmar Text"/>
+        <a:font script="Nkoo" typeface="Ebrima"/>
+        <a:font script="Olck" typeface="Nirmala UI"/>
+        <a:font script="Osma" typeface="Ebrima"/>
+        <a:font script="Phag" typeface="Phagspa"/>
+        <a:font script="Syrn" typeface="Estrangelo Edessa"/>
+        <a:font script="Syrj" typeface="Estrangelo Edessa"/>
+        <a:font script="Syre" typeface="Estrangelo Edessa"/>
+        <a:font script="Sora" typeface="Nirmala UI"/>
+        <a:font script="Tale" typeface="Microsoft Tai Le"/>
+        <a:font script="Talu" typeface="Microsoft New Tai Lue"/>
+        <a:font script="Tfng" typeface="Ebrima"/>
+      </a:majorFont>
+      <a:minorFont>
+        <a:latin typeface="Calibri" panose="020F0502020204030204"/>
+        <a:ea typeface=""/>
+        <a:cs typeface=""/>
+        <a:font script="Jpan" typeface="游ゴシック"/>
+        <a:font script="Hang" typeface="맑은 고딕"/>
+        <a:font script="Hans" typeface="等线"/>
+        <a:font script="Hant" typeface="新細明體"/>
+        <a:font script="Arab" typeface="Arial"/>
+        <a:font script="Hebr" typeface="Arial"/>
+        <a:font script="Thai" typeface="Cordia New"/>
+        <a:font script="Ethi" typeface="Nyala"/>
+        <a:font script="Beng" typeface="Vrinda"/>
+        <a:font script="Gujr" typeface="Shruti"/>
+        <a:font script="Khmr" typeface="DaunPenh"/>
+        <a:font script="Knda" typeface="Tunga"/>
+        <a:font script="Guru" typeface="Raavi"/>
+        <a:font script="Cans" typeface="Euphemia"/>
+        <a:font script="Cher" typeface="Plantagenet Cherokee"/>
+        <a:font script="Yiii" typeface="Microsoft Yi Baiti"/>
+        <a:font script="Tibt" typeface="Microsoft Himalaya"/>
+        <a:font script="Thaa" typeface="MV Boli"/>
+        <a:font script="Deva" typeface="Mangal"/>
+        <a:font script="Telu" typeface="Gautami"/>
+        <a:font script="Taml" typeface="Latha"/>
+        <a:font script="Syrc" typeface="Estrangelo Edessa"/>
+        <a:font script="Orya" typeface="Kalinga"/>
+        <a:font script="Mlym" typeface="Kartika"/>
+        <a:font script="Laoo" typeface="DokChampa"/>
+        <a:font script="Sinh" typeface="Iskoola Pota"/>
+        <a:font script="Mong" typeface="Mongolian Baiti"/>
+        <a:font script="Viet" typeface="Arial"/>
+        <a:font script="Uigh" typeface="Microsoft Uighur"/>
+        <a:font script="Geor" typeface="Sylfaen"/>
+        <a:font script="Armn" typeface="Arial"/>
+        <a:font script="Bugi" typeface="Leelawadee UI"/>
+        <a:font script="Bopo" typeface="Microsoft JhengHei"/>
+        <a:font script="Java" typeface="Javanese Text"/>
+        <a:font script="Lisu" typeface="Segoe UI"/>
+        <a:font script="Mymr" typeface="Myanmar Text"/>
+        <a:font script="Nkoo" typeface="Ebrima"/>
+        <a:font script="Olck" typeface="Nirmala UI"/>
+        <a:font script="Osma" typeface="Ebrima"/>
+        <a:font script="Phag" typeface="Phagspa"/>
+        <a:font script="Syrn" typeface="Estrangelo Edessa"/>
+        <a:font script="Syrj" typeface="Estrangelo Edessa"/>
+        <a:font script="Syre" typeface="Estrangelo Edessa"/>
+        <a:font script="Sora" typeface="Nirmala UI"/>
+        <a:font script="Tale" typeface="Microsoft Tai Le"/>
+        <a:font script="Talu" typeface="Microsoft New Tai Lue"/>
+        <a:font script="Tfng" typeface="Ebrima"/>
+      </a:minorFont>
+    </a:fontScheme>
+    <a:fmtScheme name="Office">
+      <a:fillStyleLst>
+        <a:solidFill>
+          <a:schemeClr val="phClr"/>
+        </a:solidFill>
+        <a:gradFill rotWithShape="1">
+          <a:gsLst>
+            <a:gs pos="0">
+              <a:schemeClr val="phClr">
+                <a:lumMod val="110000"/>
+                <a:satMod val="105000"/>
+                <a:tint val="67000"/>
+              </a:schemeClr>
+            </a:gs>
+            <a:gs pos="50000">
+              <a:schemeClr val="phClr">
+                <a:lumMod val="105000"/>
+                <a:satMod val="103000"/>
+                <a:tint val="73000"/>
+              </a:schemeClr>
+            </a:gs>
+            <a:gs pos="100000">
+              <a:schemeClr val="phClr">
+                <a:lumMod val="105000"/>
+                <a:satMod val="109000"/>
+                <a:tint val="81000"/>
+              </a:schemeClr>
+            </a:gs>
+          </a:gsLst>
+          <a:lin ang="5400000" scaled="0"/>
+        </a:gradFill>
+        <a:gradFill rotWithShape="1">
+          <a:gsLst>
+            <a:gs pos="0">
+              <a:schemeClr val="phClr">
+                <a:satMod val="103000"/>
+                <a:lumMod val="102000"/>
+                <a:tint val="94000"/>
+              </a:schemeClr>
+            </a:gs>
+            <a:gs pos="50000">
+              <a:schemeClr val="phClr">
+                <a:satMod val="110000"/>
+                <a:lumMod val="100000"/>
+                <a:shade val="100000"/>
+              </a:schemeClr>
+            </a:gs>
+            <a:gs pos="100000">
+              <a:schemeClr val="phClr">
+                <a:lumMod val="99000"/>
+                <a:satMod val="120000"/>
+                <a:shade val="78000"/>
+              </a:schemeClr>
+            </a:gs>
+          </a:gsLst>
+          <a:lin ang="5400000" scaled="0"/>
+        </a:gradFill>
+      </a:fillStyleLst>
+      <a:lnStyleLst>
+        <a:ln w="6350" cap="flat" cmpd="sng" algn="ctr">
+          <a:solidFill>
+            <a:schemeClr val="phClr"/>
+          </a:solidFill>
+          <a:prstDash val="solid"/>
+          <a:miter lim="800000"/>
+        </a:ln>
+        <a:ln w="12700" cap="flat" cmpd="sng" algn="ctr">
+          <a:solidFill>
+            <a:schemeClr val="phClr"/>
+          </a:solidFill>
+          <a:prstDash val="solid"/>
+          <a:miter lim="800000"/>
+        </a:ln>
+        <a:ln w="19050" cap="flat" cmpd="sng" algn="ctr">
+          <a:solidFill>
+            <a:schemeClr val="phClr"/>
+          </a:solidFill>
+          <a:prstDash val="solid"/>
+          <a:miter lim="800000"/>
+        </a:ln>
+      </a:lnStyleLst>
+      <a:effectStyleLst>
+        <a:effectStyle>
+          <a:effectLst/>
+        </a:effectStyle>
+        <a:effectStyle>
+          <a:effectLst/>
+        </a:effectStyle>
+        <a:effectStyle>
+          <a:effectLst>
+            <a:outerShdw blurRad="57150" dist="19050" dir="5400000" algn="ctr" rotWithShape="0">
+              <a:srgbClr val="000000">
+                <a:alpha val="63000"/>
+              </a:srgbClr>
+            </a:outerShdw>
+          </a:effectLst>
+        </a:effectStyle>
+      </a:effectStyleLst>
+      <a:bgFillStyleLst>
+        <a:solidFill>
+          <a:schemeClr val="phClr"/>
+        </a:solidFill>
+        <a:solidFill>
+          <a:schemeClr val="phClr">
+            <a:tint val="95000"/>
+            <a:satMod val="170000"/>
+          </a:schemeClr>
+        </a:solidFill>
+        <a:gradFill rotWithShape="1">
+          <a:gsLst>
+            <a:gs pos="0">
+              <a:schemeClr val="phClr">
+                <a:tint val="93000"/>
+                <a:satMod val="150000"/>
+                <a:shade val="98000"/>
+                <a:lumMod val="102000"/>
+              </a:schemeClr>
+            </a:gs>
+            <a:gs pos="50000">
+              <a:schemeClr val="phClr">
+                <a:tint val="98000"/>
+                <a:satMod val="130000"/>
+                <a:shade val="90000"/>
+                <a:lumMod val="103000"/>
+              </a:schemeClr>
+            </a:gs>
+            <a:gs pos="100000">
+              <a:schemeClr val="phClr">
+                <a:shade val="63000"/>
+                <a:satMod val="120000"/>
+              </a:schemeClr>
+            </a:gs>
+          </a:gsLst>
+          <a:lin ang="5400000" scaled="0"/>
+        </a:gradFill>
+      </a:bgFillStyleLst>
+    </a:fmtScheme>
+  </a:themeElements>
+  <a:objectDefaults/>
+  <a:extraClrSchemeLst/>
+  <a:extLst>
+    <a:ext uri="{05A4C25C-085E-4340-85A3-A5531E510DB2}">
+      <thm15:themeFamily xmlns:thm15="http://schemas.microsoft.com/office/thememl/2012/main" name="Office Theme" id="{62F939B6-93AF-4DB8-9C6B-D6C7DFDC589F}" vid="{4A3C46E8-61CC-4603-A589-7422A47A8E4A}"/>
+    </a:ext>
+  </a:extLst>
+</a:theme>
 </file>